--- a/Docs/11_Zwischenpräsentation.pptx
+++ b/Docs/11_Zwischenpräsentation.pptx
@@ -5,20 +5,22 @@
     <p:sldMasterId id="2147483660" r:id="rId4"/>
   </p:sldMasterIdLst>
   <p:notesMasterIdLst>
-    <p:notesMasterId r:id="rId13"/>
+    <p:notesMasterId r:id="rId15"/>
   </p:notesMasterIdLst>
   <p:handoutMasterIdLst>
-    <p:handoutMasterId r:id="rId14"/>
+    <p:handoutMasterId r:id="rId16"/>
   </p:handoutMasterIdLst>
   <p:sldIdLst>
     <p:sldId id="306" r:id="rId5"/>
     <p:sldId id="305" r:id="rId6"/>
-    <p:sldId id="309" r:id="rId7"/>
-    <p:sldId id="308" r:id="rId8"/>
-    <p:sldId id="307" r:id="rId9"/>
-    <p:sldId id="301" r:id="rId10"/>
-    <p:sldId id="302" r:id="rId11"/>
-    <p:sldId id="310" r:id="rId12"/>
+    <p:sldId id="311" r:id="rId7"/>
+    <p:sldId id="309" r:id="rId8"/>
+    <p:sldId id="308" r:id="rId9"/>
+    <p:sldId id="307" r:id="rId10"/>
+    <p:sldId id="301" r:id="rId11"/>
+    <p:sldId id="302" r:id="rId12"/>
+    <p:sldId id="312" r:id="rId13"/>
+    <p:sldId id="310" r:id="rId14"/>
   </p:sldIdLst>
   <p:sldSz cx="12192000" cy="6858000"/>
   <p:notesSz cx="6858000" cy="9144000"/>
@@ -14043,13 +14045,105 @@
   <p:clrMapOvr>
     <a:overrideClrMapping bg1="dk1" tx1="lt1" bg2="dk2" tx2="lt2" accent1="accent1" accent2="accent2" accent3="accent3" accent4="accent4" accent5="accent5" accent6="accent6" hlink="hlink" folHlink="folHlink"/>
   </p:clrMapOvr>
-  <mc:AlternateContent xmlns:mc="http://schemas.openxmlformats.org/markup-compatibility/2006">
-    <mc:Choice xmlns:p14="http://schemas.microsoft.com/office/powerpoint/2010/main" Requires="p14">
+  <mc:AlternateContent xmlns:mc="http://schemas.openxmlformats.org/markup-compatibility/2006" xmlns:p14="http://schemas.microsoft.com/office/powerpoint/2010/main">
+    <mc:Choice Requires="p14">
       <p:transition spd="med" p14:dur="700">
         <p:fade/>
       </p:transition>
     </mc:Choice>
-    <mc:Fallback>
+    <mc:Fallback xmlns="">
+      <p:transition spd="med">
+        <p:fade/>
+      </p:transition>
+    </mc:Fallback>
+  </mc:AlternateContent>
+</p:sld>
+</file>
+
+<file path=ppt/slides/slide10.xml><?xml version="1.0" encoding="utf-8"?>
+<p:sld xmlns:a="http://schemas.openxmlformats.org/drawingml/2006/main" xmlns:r="http://schemas.openxmlformats.org/officeDocument/2006/relationships" xmlns:p="http://schemas.openxmlformats.org/presentationml/2006/main">
+  <p:cSld>
+    <p:spTree>
+      <p:nvGrpSpPr>
+        <p:cNvPr id="1" name=""/>
+        <p:cNvGrpSpPr/>
+        <p:nvPr/>
+      </p:nvGrpSpPr>
+      <p:grpSpPr>
+        <a:xfrm>
+          <a:off x="0" y="0"/>
+          <a:ext cx="0" cy="0"/>
+          <a:chOff x="0" y="0"/>
+          <a:chExt cx="0" cy="0"/>
+        </a:xfrm>
+      </p:grpSpPr>
+      <p:sp>
+        <p:nvSpPr>
+          <p:cNvPr id="4" name="Titel 3">
+            <a:extLst>
+              <a:ext uri="{FF2B5EF4-FFF2-40B4-BE49-F238E27FC236}">
+                <a16:creationId xmlns:a16="http://schemas.microsoft.com/office/drawing/2014/main" id="{FB3F49D7-D706-E239-F4E5-2FF8FFED2F71}"/>
+              </a:ext>
+            </a:extLst>
+          </p:cNvPr>
+          <p:cNvSpPr>
+            <a:spLocks noGrp="1"/>
+          </p:cNvSpPr>
+          <p:nvPr>
+            <p:ph type="ctrTitle"/>
+          </p:nvPr>
+        </p:nvSpPr>
+        <p:spPr/>
+        <p:txBody>
+          <a:bodyPr>
+            <a:normAutofit/>
+          </a:bodyPr>
+          <a:lstStyle/>
+          <a:p>
+            <a:r>
+              <a:rPr lang="en-US" sz="6600" dirty="0" err="1"/>
+              <a:t>Vielen</a:t>
+            </a:r>
+            <a:r>
+              <a:rPr lang="en-US" sz="6600" dirty="0"/>
+              <a:t> Dank für </a:t>
+            </a:r>
+            <a:r>
+              <a:rPr lang="en-US" sz="6600" dirty="0" err="1"/>
+              <a:t>eure</a:t>
+            </a:r>
+            <a:r>
+              <a:rPr lang="en-US" sz="6600" dirty="0"/>
+              <a:t> </a:t>
+            </a:r>
+            <a:r>
+              <a:rPr lang="en-US" sz="6600" dirty="0" err="1"/>
+              <a:t>Aufmerksamkeit</a:t>
+            </a:r>
+            <a:r>
+              <a:rPr lang="en-US" sz="6600" dirty="0"/>
+              <a:t>!</a:t>
+            </a:r>
+          </a:p>
+        </p:txBody>
+      </p:sp>
+    </p:spTree>
+    <p:extLst>
+      <p:ext uri="{BB962C8B-B14F-4D97-AF65-F5344CB8AC3E}">
+        <p14:creationId xmlns:p14="http://schemas.microsoft.com/office/powerpoint/2010/main" val="4251837618"/>
+      </p:ext>
+    </p:extLst>
+  </p:cSld>
+  <p:clrMapOvr>
+    <a:masterClrMapping/>
+  </p:clrMapOvr>
+  <mc:AlternateContent xmlns:mc="http://schemas.openxmlformats.org/markup-compatibility/2006" xmlns:p14="http://schemas.microsoft.com/office/powerpoint/2010/main">
+    <mc:Choice Requires="p14">
+      <p:transition spd="med" p14:dur="700">
+        <p:fade/>
+      </p:transition>
+    </mc:Choice>
+    <mc:Fallback xmlns="">
       <p:transition spd="med">
         <p:fade/>
       </p:transition>
@@ -14638,13 +14732,13 @@
   <p:clrMapOvr>
     <a:overrideClrMapping bg1="dk1" tx1="lt1" bg2="dk2" tx2="lt2" accent1="accent1" accent2="accent2" accent3="accent3" accent4="accent4" accent5="accent5" accent6="accent6" hlink="hlink" folHlink="folHlink"/>
   </p:clrMapOvr>
-  <mc:AlternateContent xmlns:mc="http://schemas.openxmlformats.org/markup-compatibility/2006">
-    <mc:Choice xmlns:p159="http://schemas.microsoft.com/office/powerpoint/2015/09/main" Requires="p159">
+  <mc:AlternateContent xmlns:mc="http://schemas.openxmlformats.org/markup-compatibility/2006" xmlns:p159="http://schemas.microsoft.com/office/powerpoint/2015/09/main">
+    <mc:Choice Requires="p159">
       <p:transition xmlns:p14="http://schemas.microsoft.com/office/powerpoint/2010/main" spd="slow" p14:dur="2000">
         <p159:morph option="byChar"/>
       </p:transition>
     </mc:Choice>
-    <mc:Fallback>
+    <mc:Fallback xmlns="">
       <p:transition spd="slow">
         <p:fade/>
       </p:transition>
@@ -14654,6 +14748,90 @@
 </file>
 
 <file path=ppt/slides/slide3.xml><?xml version="1.0" encoding="utf-8"?>
+<p:sld xmlns:a="http://schemas.openxmlformats.org/drawingml/2006/main" xmlns:r="http://schemas.openxmlformats.org/officeDocument/2006/relationships" xmlns:p="http://schemas.openxmlformats.org/presentationml/2006/main">
+  <p:cSld>
+    <p:spTree>
+      <p:nvGrpSpPr>
+        <p:cNvPr id="1" name=""/>
+        <p:cNvGrpSpPr/>
+        <p:nvPr/>
+      </p:nvGrpSpPr>
+      <p:grpSpPr>
+        <a:xfrm>
+          <a:off x="0" y="0"/>
+          <a:ext cx="0" cy="0"/>
+          <a:chOff x="0" y="0"/>
+          <a:chExt cx="0" cy="0"/>
+        </a:xfrm>
+      </p:grpSpPr>
+      <p:sp>
+        <p:nvSpPr>
+          <p:cNvPr id="2" name="Titel 1">
+            <a:extLst>
+              <a:ext uri="{FF2B5EF4-FFF2-40B4-BE49-F238E27FC236}">
+                <a16:creationId xmlns:a16="http://schemas.microsoft.com/office/drawing/2014/main" id="{25A76816-8196-1FB9-D70E-CEF91287A4C8}"/>
+              </a:ext>
+            </a:extLst>
+          </p:cNvPr>
+          <p:cNvSpPr>
+            <a:spLocks noGrp="1"/>
+          </p:cNvSpPr>
+          <p:nvPr>
+            <p:ph type="title"/>
+          </p:nvPr>
+        </p:nvSpPr>
+        <p:spPr/>
+        <p:txBody>
+          <a:bodyPr/>
+          <a:lstStyle/>
+          <a:p>
+            <a:r>
+              <a:rPr lang="en-US" dirty="0" err="1"/>
+              <a:t>Inhalt</a:t>
+            </a:r>
+            <a:endParaRPr lang="en-US" dirty="0"/>
+          </a:p>
+        </p:txBody>
+      </p:sp>
+      <p:sp>
+        <p:nvSpPr>
+          <p:cNvPr id="3" name="Inhaltsplatzhalter 2">
+            <a:extLst>
+              <a:ext uri="{FF2B5EF4-FFF2-40B4-BE49-F238E27FC236}">
+                <a16:creationId xmlns:a16="http://schemas.microsoft.com/office/drawing/2014/main" id="{70BF35B5-1B7E-40F7-EEE6-C614008D34AD}"/>
+              </a:ext>
+            </a:extLst>
+          </p:cNvPr>
+          <p:cNvSpPr>
+            <a:spLocks noGrp="1"/>
+          </p:cNvSpPr>
+          <p:nvPr>
+            <p:ph idx="1"/>
+          </p:nvPr>
+        </p:nvSpPr>
+        <p:spPr/>
+        <p:txBody>
+          <a:bodyPr/>
+          <a:lstStyle/>
+          <a:p>
+            <a:endParaRPr lang="en-US"/>
+          </a:p>
+        </p:txBody>
+      </p:sp>
+    </p:spTree>
+    <p:extLst>
+      <p:ext uri="{BB962C8B-B14F-4D97-AF65-F5344CB8AC3E}">
+        <p14:creationId xmlns:p14="http://schemas.microsoft.com/office/powerpoint/2010/main" val="1824890420"/>
+      </p:ext>
+    </p:extLst>
+  </p:cSld>
+  <p:clrMapOvr>
+    <a:masterClrMapping/>
+  </p:clrMapOvr>
+</p:sld>
+</file>
+
+<file path=ppt/slides/slide4.xml><?xml version="1.0" encoding="utf-8"?>
 <p:sld xmlns:a="http://schemas.openxmlformats.org/drawingml/2006/main" xmlns:r="http://schemas.openxmlformats.org/officeDocument/2006/relationships" xmlns:p="http://schemas.openxmlformats.org/presentationml/2006/main">
   <p:cSld>
     <p:spTree>
@@ -14718,8 +14896,8 @@
           </a:p>
         </p:txBody>
       </p:sp>
-      <mc:AlternateContent xmlns:mc="http://schemas.openxmlformats.org/markup-compatibility/2006">
-        <mc:Choice xmlns:pslz="http://schemas.microsoft.com/office/powerpoint/2016/slidezoom" Requires="pslz">
+      <mc:AlternateContent xmlns:mc="http://schemas.openxmlformats.org/markup-compatibility/2006" xmlns:pslz="http://schemas.microsoft.com/office/powerpoint/2016/slidezoom">
+        <mc:Choice Requires="pslz">
           <p:graphicFrame>
             <p:nvGraphicFramePr>
               <p:cNvPr id="20" name="Folienzoom 19">
@@ -14776,7 +14954,7 @@
             </a:graphic>
           </p:graphicFrame>
         </mc:Choice>
-        <mc:Fallback>
+        <mc:Fallback xmlns="">
           <p:pic>
             <p:nvPicPr>
               <p:cNvPr id="20" name="Folienzoom 19">
@@ -14793,7 +14971,7 @@
               <p:nvPr/>
             </p:nvPicPr>
             <p:blipFill>
-              <a:blip r:embed="rId2"/>
+              <a:blip r:embed="rId4"/>
               <a:stretch>
                 <a:fillRect/>
               </a:stretch>
@@ -14815,8 +14993,8 @@
           </p:pic>
         </mc:Fallback>
       </mc:AlternateContent>
-      <mc:AlternateContent xmlns:mc="http://schemas.openxmlformats.org/markup-compatibility/2006">
-        <mc:Choice xmlns:pslz="http://schemas.microsoft.com/office/powerpoint/2016/slidezoom" Requires="pslz">
+      <mc:AlternateContent xmlns:mc="http://schemas.openxmlformats.org/markup-compatibility/2006" xmlns:pslz="http://schemas.microsoft.com/office/powerpoint/2016/slidezoom">
+        <mc:Choice Requires="pslz">
           <p:graphicFrame>
             <p:nvGraphicFramePr>
               <p:cNvPr id="22" name="Folienzoom 21">
@@ -14847,7 +15025,7 @@
                   <pslz:sldZmObj sldId="307" cId="854358937">
                     <pslz:zmPr id="{A6A4BF98-E4C3-48A0-9ABB-D25B86BE8DCC}" transitionDur="1000">
                       <p166:blipFill xmlns:p166="http://schemas.microsoft.com/office/powerpoint/2016/6/main">
-                        <a:blip r:embed="rId4"/>
+                        <a:blip r:embed="rId5"/>
                         <a:stretch>
                           <a:fillRect/>
                         </a:stretch>
@@ -14873,11 +15051,11 @@
             </a:graphic>
           </p:graphicFrame>
         </mc:Choice>
-        <mc:Fallback>
+        <mc:Fallback xmlns="">
           <p:pic>
             <p:nvPicPr>
               <p:cNvPr id="22" name="Folienzoom 21">
-                <a:hlinkClick r:id="rId5" action="ppaction://hlinksldjump"/>
+                <a:hlinkClick r:id="rId6" action="ppaction://hlinksldjump"/>
                 <a:extLst>
                   <a:ext uri="{FF2B5EF4-FFF2-40B4-BE49-F238E27FC236}">
                     <a16:creationId xmlns:a16="http://schemas.microsoft.com/office/drawing/2014/main" id="{CBCF04B3-0E5C-56D7-8A6E-87111CE6C353}"/>
@@ -14890,7 +15068,7 @@
               <p:nvPr/>
             </p:nvPicPr>
             <p:blipFill>
-              <a:blip r:embed="rId4"/>
+              <a:blip r:embed="rId7"/>
               <a:stretch>
                 <a:fillRect/>
               </a:stretch>
@@ -14922,13 +15100,13 @@
   <p:clrMapOvr>
     <a:masterClrMapping/>
   </p:clrMapOvr>
-  <mc:AlternateContent xmlns:mc="http://schemas.openxmlformats.org/markup-compatibility/2006">
-    <mc:Choice xmlns:p159="http://schemas.microsoft.com/office/powerpoint/2015/09/main" Requires="p159">
+  <mc:AlternateContent xmlns:mc="http://schemas.openxmlformats.org/markup-compatibility/2006" xmlns:p159="http://schemas.microsoft.com/office/powerpoint/2015/09/main">
+    <mc:Choice Requires="p159">
       <p:transition xmlns:p14="http://schemas.microsoft.com/office/powerpoint/2010/main" spd="slow" p14:dur="2000">
         <p159:morph option="byObject"/>
       </p:transition>
     </mc:Choice>
-    <mc:Fallback>
+    <mc:Fallback xmlns="">
       <p:transition spd="slow">
         <p:fade/>
       </p:transition>
@@ -14937,7 +15115,7 @@
 </p:sld>
 </file>
 
-<file path=ppt/slides/slide4.xml><?xml version="1.0" encoding="utf-8"?>
+<file path=ppt/slides/slide5.xml><?xml version="1.0" encoding="utf-8"?>
 <p:sld xmlns:a="http://schemas.openxmlformats.org/drawingml/2006/main" xmlns:r="http://schemas.openxmlformats.org/officeDocument/2006/relationships" xmlns:p="http://schemas.openxmlformats.org/presentationml/2006/main">
   <p:cSld>
     <p:spTree>
@@ -15134,13 +15312,13 @@
   <p:clrMapOvr>
     <a:masterClrMapping/>
   </p:clrMapOvr>
-  <mc:AlternateContent xmlns:mc="http://schemas.openxmlformats.org/markup-compatibility/2006">
-    <mc:Choice xmlns:p14="http://schemas.microsoft.com/office/powerpoint/2010/main" Requires="p14">
+  <mc:AlternateContent xmlns:mc="http://schemas.openxmlformats.org/markup-compatibility/2006" xmlns:p14="http://schemas.microsoft.com/office/powerpoint/2010/main">
+    <mc:Choice Requires="p14">
       <p:transition spd="med" p14:dur="700">
         <p:fade/>
       </p:transition>
     </mc:Choice>
-    <mc:Fallback>
+    <mc:Fallback xmlns="">
       <p:transition spd="med">
         <p:fade/>
       </p:transition>
@@ -15149,7 +15327,7 @@
 </p:sld>
 </file>
 
-<file path=ppt/slides/slide5.xml><?xml version="1.0" encoding="utf-8"?>
+<file path=ppt/slides/slide6.xml><?xml version="1.0" encoding="utf-8"?>
 <p:sld xmlns:a="http://schemas.openxmlformats.org/drawingml/2006/main" xmlns:r="http://schemas.openxmlformats.org/officeDocument/2006/relationships" xmlns:p="http://schemas.openxmlformats.org/presentationml/2006/main">
   <p:cSld>
     <p:spTree>
@@ -15352,13 +15530,13 @@
   <p:clrMapOvr>
     <a:masterClrMapping/>
   </p:clrMapOvr>
-  <mc:AlternateContent xmlns:mc="http://schemas.openxmlformats.org/markup-compatibility/2006">
-    <mc:Choice xmlns:p14="http://schemas.microsoft.com/office/powerpoint/2010/main" Requires="p14">
+  <mc:AlternateContent xmlns:mc="http://schemas.openxmlformats.org/markup-compatibility/2006" xmlns:p14="http://schemas.microsoft.com/office/powerpoint/2010/main">
+    <mc:Choice Requires="p14">
       <p:transition spd="med" p14:dur="700">
         <p:fade/>
       </p:transition>
     </mc:Choice>
-    <mc:Fallback>
+    <mc:Fallback xmlns="">
       <p:transition spd="med">
         <p:fade/>
       </p:transition>
@@ -15367,7 +15545,7 @@
 </p:sld>
 </file>
 
-<file path=ppt/slides/slide6.xml><?xml version="1.0" encoding="utf-8"?>
+<file path=ppt/slides/slide7.xml><?xml version="1.0" encoding="utf-8"?>
 <p:sld xmlns:a="http://schemas.openxmlformats.org/drawingml/2006/main" xmlns:r="http://schemas.openxmlformats.org/officeDocument/2006/relationships" xmlns:p="http://schemas.openxmlformats.org/presentationml/2006/main">
   <p:cSld>
     <p:spTree>
@@ -15460,13 +15638,13 @@
   <p:clrMapOvr>
     <a:masterClrMapping/>
   </p:clrMapOvr>
-  <mc:AlternateContent xmlns:mc="http://schemas.openxmlformats.org/markup-compatibility/2006">
-    <mc:Choice xmlns:p14="http://schemas.microsoft.com/office/powerpoint/2010/main" Requires="p14">
+  <mc:AlternateContent xmlns:mc="http://schemas.openxmlformats.org/markup-compatibility/2006" xmlns:p14="http://schemas.microsoft.com/office/powerpoint/2010/main">
+    <mc:Choice Requires="p14">
       <p:transition spd="med" p14:dur="700">
         <p:fade/>
       </p:transition>
     </mc:Choice>
-    <mc:Fallback>
+    <mc:Fallback xmlns="">
       <p:transition spd="med">
         <p:fade/>
       </p:transition>
@@ -15475,7 +15653,7 @@
 </p:sld>
 </file>
 
-<file path=ppt/slides/slide7.xml><?xml version="1.0" encoding="utf-8"?>
+<file path=ppt/slides/slide8.xml><?xml version="1.0" encoding="utf-8"?>
 <p:sld xmlns:a="http://schemas.openxmlformats.org/drawingml/2006/main" xmlns:r="http://schemas.openxmlformats.org/officeDocument/2006/relationships" xmlns:p="http://schemas.openxmlformats.org/presentationml/2006/main">
   <p:cSld>
     <p:spTree>
@@ -15568,13 +15746,13 @@
   <p:clrMapOvr>
     <a:masterClrMapping/>
   </p:clrMapOvr>
-  <mc:AlternateContent xmlns:mc="http://schemas.openxmlformats.org/markup-compatibility/2006">
-    <mc:Choice xmlns:p14="http://schemas.microsoft.com/office/powerpoint/2010/main" Requires="p14">
+  <mc:AlternateContent xmlns:mc="http://schemas.openxmlformats.org/markup-compatibility/2006" xmlns:p14="http://schemas.microsoft.com/office/powerpoint/2010/main">
+    <mc:Choice Requires="p14">
       <p:transition spd="med" p14:dur="700">
         <p:fade/>
       </p:transition>
     </mc:Choice>
-    <mc:Fallback>
+    <mc:Fallback xmlns="">
       <p:transition spd="med">
         <p:fade/>
       </p:transition>
@@ -15583,7 +15761,7 @@
 </p:sld>
 </file>
 
-<file path=ppt/slides/slide8.xml><?xml version="1.0" encoding="utf-8"?>
+<file path=ppt/slides/slide9.xml><?xml version="1.0" encoding="utf-8"?>
 <p:sld xmlns:a="http://schemas.openxmlformats.org/drawingml/2006/main" xmlns:r="http://schemas.openxmlformats.org/officeDocument/2006/relationships" xmlns:p="http://schemas.openxmlformats.org/presentationml/2006/main">
   <p:cSld>
     <p:spTree>
@@ -15602,10 +15780,10 @@
       </p:grpSpPr>
       <p:sp>
         <p:nvSpPr>
-          <p:cNvPr id="4" name="Titel 3">
+          <p:cNvPr id="7" name="Titel 6">
             <a:extLst>
               <a:ext uri="{FF2B5EF4-FFF2-40B4-BE49-F238E27FC236}">
-                <a16:creationId xmlns:a16="http://schemas.microsoft.com/office/drawing/2014/main" id="{FB3F49D7-D706-E239-F4E5-2FF8FFED2F71}"/>
+                <a16:creationId xmlns:a16="http://schemas.microsoft.com/office/drawing/2014/main" id="{30964C16-8593-5551-B68D-4E217C56DA8B}"/>
               </a:ext>
             </a:extLst>
           </p:cNvPr>
@@ -15624,54 +15802,48 @@
           <a:lstStyle/>
           <a:p>
             <a:r>
-              <a:rPr lang="en-US" sz="6600" dirty="0" err="1"/>
-              <a:t>Vielen</a:t>
+              <a:rPr lang="en-US" sz="7200" dirty="0" err="1"/>
+              <a:t>Projektdemonstration</a:t>
             </a:r>
-            <a:r>
-              <a:rPr lang="en-US" sz="6600" dirty="0"/>
-              <a:t> Dank für </a:t>
-            </a:r>
-            <a:r>
-              <a:rPr lang="en-US" sz="6600" dirty="0" err="1"/>
-              <a:t>eure</a:t>
-            </a:r>
-            <a:r>
-              <a:rPr lang="en-US" sz="6600" dirty="0"/>
-              <a:t> </a:t>
-            </a:r>
-            <a:r>
-              <a:rPr lang="en-US" sz="6600" dirty="0" err="1"/>
-              <a:t>Aufmerksamkeit</a:t>
-            </a:r>
-            <a:r>
-              <a:rPr lang="en-US" sz="6600" dirty="0"/>
-              <a:t>!</a:t>
-            </a:r>
+            <a:endParaRPr lang="en-US" sz="7200" dirty="0"/>
+          </a:p>
+        </p:txBody>
+      </p:sp>
+      <p:sp>
+        <p:nvSpPr>
+          <p:cNvPr id="8" name="Untertitel 7">
+            <a:extLst>
+              <a:ext uri="{FF2B5EF4-FFF2-40B4-BE49-F238E27FC236}">
+                <a16:creationId xmlns:a16="http://schemas.microsoft.com/office/drawing/2014/main" id="{0A3D932C-E035-26DB-EEED-541D37021333}"/>
+              </a:ext>
+            </a:extLst>
+          </p:cNvPr>
+          <p:cNvSpPr>
+            <a:spLocks noGrp="1"/>
+          </p:cNvSpPr>
+          <p:nvPr>
+            <p:ph type="subTitle" idx="1"/>
+          </p:nvPr>
+        </p:nvSpPr>
+        <p:spPr/>
+        <p:txBody>
+          <a:bodyPr/>
+          <a:lstStyle/>
+          <a:p>
+            <a:endParaRPr lang="en-US"/>
           </a:p>
         </p:txBody>
       </p:sp>
     </p:spTree>
     <p:extLst>
       <p:ext uri="{BB962C8B-B14F-4D97-AF65-F5344CB8AC3E}">
-        <p14:creationId xmlns:p14="http://schemas.microsoft.com/office/powerpoint/2010/main" val="4251837618"/>
+        <p14:creationId xmlns:p14="http://schemas.microsoft.com/office/powerpoint/2010/main" val="3610123535"/>
       </p:ext>
     </p:extLst>
   </p:cSld>
   <p:clrMapOvr>
     <a:masterClrMapping/>
   </p:clrMapOvr>
-  <mc:AlternateContent xmlns:mc="http://schemas.openxmlformats.org/markup-compatibility/2006">
-    <mc:Choice xmlns:p14="http://schemas.microsoft.com/office/powerpoint/2010/main" Requires="p14">
-      <p:transition spd="med" p14:dur="700">
-        <p:fade/>
-      </p:transition>
-    </mc:Choice>
-    <mc:Fallback>
-      <p:transition spd="med">
-        <p:fade/>
-      </p:transition>
-    </mc:Fallback>
-  </mc:AlternateContent>
 </p:sld>
 </file>
 
@@ -16567,12 +16739,12 @@
 </file>
 
 <file path=customXml/item1.xml><?xml version="1.0" encoding="utf-8"?>
-<?mso-contentType ?>
-<FormTemplates xmlns="http://schemas.microsoft.com/sharepoint/v3/contenttype/forms">
-  <Display>DocumentLibraryForm</Display>
-  <Edit>DocumentLibraryForm</Edit>
-  <New>DocumentLibraryForm</New>
-</FormTemplates>
+<p:properties xmlns:p="http://schemas.microsoft.com/office/2006/metadata/properties" xmlns:xsi="http://www.w3.org/2001/XMLSchema-instance" xmlns:pc="http://schemas.microsoft.com/office/infopath/2007/PartnerControls">
+  <documentManagement>
+    <Status xmlns="71af3243-3dd4-4a8d-8c0d-dd76da1f02a5">Not started</Status>
+    <MediaServiceKeyPoints xmlns="71af3243-3dd4-4a8d-8c0d-dd76da1f02a5" xsi:nil="true"/>
+  </documentManagement>
+</p:properties>
 </file>
 
 <file path=customXml/item2.xml><?xml version="1.0" encoding="utf-8"?>
@@ -16797,18 +16969,20 @@
 </file>
 
 <file path=customXml/item3.xml><?xml version="1.0" encoding="utf-8"?>
-<p:properties xmlns:p="http://schemas.microsoft.com/office/2006/metadata/properties" xmlns:xsi="http://www.w3.org/2001/XMLSchema-instance" xmlns:pc="http://schemas.microsoft.com/office/infopath/2007/PartnerControls">
-  <documentManagement>
-    <Status xmlns="71af3243-3dd4-4a8d-8c0d-dd76da1f02a5">Not started</Status>
-    <MediaServiceKeyPoints xmlns="71af3243-3dd4-4a8d-8c0d-dd76da1f02a5" xsi:nil="true"/>
-  </documentManagement>
-</p:properties>
+<?mso-contentType ?>
+<FormTemplates xmlns="http://schemas.microsoft.com/sharepoint/v3/contenttype/forms">
+  <Display>DocumentLibraryForm</Display>
+  <Edit>DocumentLibraryForm</Edit>
+  <New>DocumentLibraryForm</New>
+</FormTemplates>
 </file>
 
 <file path=customXml/itemProps1.xml><?xml version="1.0" encoding="utf-8"?>
-<ds:datastoreItem xmlns:ds="http://schemas.openxmlformats.org/officeDocument/2006/customXml" ds:itemID="{AA3F7EDC-E5B4-4BBC-9D2A-CBE6D46C37AD}">
+<ds:datastoreItem xmlns:ds="http://schemas.openxmlformats.org/officeDocument/2006/customXml" ds:itemID="{A03EEFF0-FB57-4CB4-8BFC-DF397689E2ED}">
   <ds:schemaRefs>
-    <ds:schemaRef ds:uri="http://schemas.microsoft.com/sharepoint/v3/contenttype/forms"/>
+    <ds:schemaRef ds:uri="http://schemas.microsoft.com/office/2006/metadata/properties"/>
+    <ds:schemaRef ds:uri="http://schemas.microsoft.com/office/infopath/2007/PartnerControls"/>
+    <ds:schemaRef ds:uri="71af3243-3dd4-4a8d-8c0d-dd76da1f02a5"/>
   </ds:schemaRefs>
 </ds:datastoreItem>
 </file>
@@ -16833,11 +17007,9 @@
 </file>
 
 <file path=customXml/itemProps3.xml><?xml version="1.0" encoding="utf-8"?>
-<ds:datastoreItem xmlns:ds="http://schemas.openxmlformats.org/officeDocument/2006/customXml" ds:itemID="{A03EEFF0-FB57-4CB4-8BFC-DF397689E2ED}">
+<ds:datastoreItem xmlns:ds="http://schemas.openxmlformats.org/officeDocument/2006/customXml" ds:itemID="{AA3F7EDC-E5B4-4BBC-9D2A-CBE6D46C37AD}">
   <ds:schemaRefs>
-    <ds:schemaRef ds:uri="http://schemas.microsoft.com/office/2006/metadata/properties"/>
-    <ds:schemaRef ds:uri="http://schemas.microsoft.com/office/infopath/2007/PartnerControls"/>
-    <ds:schemaRef ds:uri="71af3243-3dd4-4a8d-8c0d-dd76da1f02a5"/>
+    <ds:schemaRef ds:uri="http://schemas.microsoft.com/sharepoint/v3/contenttype/forms"/>
   </ds:schemaRefs>
 </ds:datastoreItem>
 </file>
--- a/Docs/11_Zwischenpräsentation.pptx
+++ b/Docs/11_Zwischenpräsentation.pptx
@@ -5,10 +5,10 @@
     <p:sldMasterId id="2147483660" r:id="rId4"/>
   </p:sldMasterIdLst>
   <p:notesMasterIdLst>
-    <p:notesMasterId r:id="rId15"/>
+    <p:notesMasterId r:id="rId16"/>
   </p:notesMasterIdLst>
   <p:handoutMasterIdLst>
-    <p:handoutMasterId r:id="rId16"/>
+    <p:handoutMasterId r:id="rId17"/>
   </p:handoutMasterIdLst>
   <p:sldIdLst>
     <p:sldId id="306" r:id="rId5"/>
@@ -20,7 +20,8 @@
     <p:sldId id="301" r:id="rId11"/>
     <p:sldId id="302" r:id="rId12"/>
     <p:sldId id="312" r:id="rId13"/>
-    <p:sldId id="310" r:id="rId14"/>
+    <p:sldId id="313" r:id="rId14"/>
+    <p:sldId id="310" r:id="rId15"/>
   </p:sldIdLst>
   <p:sldSz cx="12192000" cy="6858000"/>
   <p:notesSz cx="6858000" cy="9144000"/>
@@ -5128,10 +5129,10 @@
         <a:lstStyle/>
         <a:p>
           <a:r>
-            <a:rPr lang="de-DE" dirty="0"/>
+            <a:rPr lang="de-DE" b="1" dirty="0"/>
             <a:t>Unterschätzung der Arbeitspakete</a:t>
           </a:r>
-          <a:endParaRPr lang="en-US" dirty="0"/>
+          <a:endParaRPr lang="en-US" b="1" dirty="0"/>
         </a:p>
       </dgm:t>
     </dgm:pt>
@@ -5165,10 +5166,10 @@
         <a:lstStyle/>
         <a:p>
           <a:r>
-            <a:rPr lang="de-DE"/>
+            <a:rPr lang="de-DE" b="1" dirty="0"/>
             <a:t>Überschätzung der eigenen Leistung</a:t>
           </a:r>
-          <a:endParaRPr lang="en-US"/>
+          <a:endParaRPr lang="en-US" b="1" dirty="0"/>
         </a:p>
       </dgm:t>
     </dgm:pt>
@@ -5202,10 +5203,22 @@
         <a:lstStyle/>
         <a:p>
           <a:r>
-            <a:rPr lang="de-DE"/>
-            <a:t>GitHub Probleme (Mergekonflikte, GitHub Grundlagen Wiederholungen, …)</a:t>
+            <a:rPr lang="de-DE" b="1" dirty="0"/>
+            <a:t>GitHub Probleme </a:t>
           </a:r>
-          <a:endParaRPr lang="en-US"/>
+          <a:r>
+            <a:rPr lang="de-DE" dirty="0"/>
+            <a:t>(</a:t>
+          </a:r>
+          <a:r>
+            <a:rPr lang="de-DE" dirty="0" err="1"/>
+            <a:t>Mergekonflikte</a:t>
+          </a:r>
+          <a:r>
+            <a:rPr lang="de-DE" dirty="0"/>
+            <a:t>, GitHub Grundlagen Wiederholungen, …)</a:t>
+          </a:r>
+          <a:endParaRPr lang="en-US" dirty="0"/>
         </a:p>
       </dgm:t>
     </dgm:pt>
@@ -5280,7 +5293,7 @@
       <dgm:spPr/>
     </dgm:pt>
     <dgm:pt modelId="{CB5F0D3E-473E-47B7-A909-7E90F55D2689}" type="pres">
-      <dgm:prSet presAssocID="{66632E93-699B-4C4D-80B3-3AE79AB4A9B1}" presName="text" presStyleLbl="fgAcc0" presStyleIdx="1" presStyleCnt="3">
+      <dgm:prSet presAssocID="{66632E93-699B-4C4D-80B3-3AE79AB4A9B1}" presName="text" presStyleLbl="fgAcc0" presStyleIdx="1" presStyleCnt="3" custLinFactNeighborX="466">
         <dgm:presLayoutVars>
           <dgm:chPref val="3"/>
         </dgm:presLayoutVars>
@@ -5372,10 +5385,10 @@
         <a:lstStyle/>
         <a:p>
           <a:r>
-            <a:rPr lang="de-DE"/>
-            <a:t>Python Kurs belegen</a:t>
+            <a:rPr lang="de-DE" b="1" dirty="0"/>
+            <a:t>Python Kurs absolvieren</a:t>
           </a:r>
-          <a:endParaRPr lang="en-US"/>
+          <a:endParaRPr lang="en-US" b="1" dirty="0"/>
         </a:p>
       </dgm:t>
     </dgm:pt>
@@ -5409,18 +5422,18 @@
         <a:lstStyle/>
         <a:p>
           <a:r>
-            <a:rPr lang="de-DE" dirty="0"/>
+            <a:rPr lang="de-DE" b="1" dirty="0"/>
             <a:t>Bessere Kommunikation untereinander (</a:t>
           </a:r>
           <a:r>
-            <a:rPr lang="de-DE" dirty="0" err="1"/>
+            <a:rPr lang="de-DE" b="1" dirty="0" err="1"/>
             <a:t>Github</a:t>
           </a:r>
           <a:r>
-            <a:rPr lang="de-DE" dirty="0"/>
+            <a:rPr lang="de-DE" b="1" dirty="0"/>
             <a:t>)</a:t>
           </a:r>
-          <a:endParaRPr lang="en-US" dirty="0"/>
+          <a:endParaRPr lang="en-US" b="1" dirty="0"/>
         </a:p>
       </dgm:t>
     </dgm:pt>
@@ -5454,10 +5467,10 @@
         <a:lstStyle/>
         <a:p>
           <a:r>
-            <a:rPr lang="de-DE"/>
+            <a:rPr lang="de-DE" b="1" dirty="0"/>
             <a:t>Strukturierteres arbeiten</a:t>
           </a:r>
-          <a:endParaRPr lang="en-US"/>
+          <a:endParaRPr lang="en-US" b="1" dirty="0"/>
         </a:p>
       </dgm:t>
     </dgm:pt>
@@ -5812,10 +5825,10 @@
             <a:buNone/>
           </a:pPr>
           <a:r>
-            <a:rPr lang="de-DE" sz="2300" kern="1200" dirty="0"/>
+            <a:rPr lang="de-DE" sz="2300" b="1" kern="1200" dirty="0"/>
             <a:t>Unterschätzung der Arbeitspakete</a:t>
           </a:r>
-          <a:endParaRPr lang="en-US" sz="2300" kern="1200" dirty="0"/>
+          <a:endParaRPr lang="en-US" sz="2300" b="1" kern="1200" dirty="0"/>
         </a:p>
       </dsp:txBody>
       <dsp:txXfrm>
@@ -5830,7 +5843,7 @@
       </dsp:nvSpPr>
       <dsp:spPr>
         <a:xfrm>
-          <a:off x="3457574" y="832957"/>
+          <a:off x="3470757" y="832957"/>
           <a:ext cx="2828924" cy="1796367"/>
         </a:xfrm>
         <a:prstGeom prst="roundRect">
@@ -5881,7 +5894,7 @@
       </dsp:nvSpPr>
       <dsp:spPr>
         <a:xfrm>
-          <a:off x="3771900" y="1131566"/>
+          <a:off x="3785082" y="1131566"/>
           <a:ext cx="2828924" cy="1796367"/>
         </a:xfrm>
         <a:prstGeom prst="roundRect">
@@ -5942,14 +5955,14 @@
             <a:buNone/>
           </a:pPr>
           <a:r>
-            <a:rPr lang="de-DE" sz="2300" kern="1200"/>
+            <a:rPr lang="de-DE" sz="2300" b="1" kern="1200" dirty="0"/>
             <a:t>Überschätzung der eigenen Leistung</a:t>
           </a:r>
-          <a:endParaRPr lang="en-US" sz="2300" kern="1200"/>
+          <a:endParaRPr lang="en-US" sz="2300" b="1" kern="1200" dirty="0"/>
         </a:p>
       </dsp:txBody>
       <dsp:txXfrm>
-        <a:off x="3824514" y="1184180"/>
+        <a:off x="3837696" y="1184180"/>
         <a:ext cx="2723696" cy="1691139"/>
       </dsp:txXfrm>
     </dsp:sp>
@@ -6072,10 +6085,22 @@
             <a:buNone/>
           </a:pPr>
           <a:r>
-            <a:rPr lang="de-DE" sz="2300" kern="1200"/>
-            <a:t>GitHub Probleme (Mergekonflikte, GitHub Grundlagen Wiederholungen, …)</a:t>
+            <a:rPr lang="de-DE" sz="2300" b="1" kern="1200" dirty="0"/>
+            <a:t>GitHub Probleme </a:t>
           </a:r>
-          <a:endParaRPr lang="en-US" sz="2300" kern="1200"/>
+          <a:r>
+            <a:rPr lang="de-DE" sz="2300" kern="1200" dirty="0"/>
+            <a:t>(</a:t>
+          </a:r>
+          <a:r>
+            <a:rPr lang="de-DE" sz="2300" kern="1200" dirty="0" err="1"/>
+            <a:t>Mergekonflikte</a:t>
+          </a:r>
+          <a:r>
+            <a:rPr lang="de-DE" sz="2300" kern="1200" dirty="0"/>
+            <a:t>, GitHub Grundlagen Wiederholungen, …)</a:t>
+          </a:r>
+          <a:endParaRPr lang="en-US" sz="2300" kern="1200" dirty="0"/>
         </a:p>
       </dsp:txBody>
       <dsp:txXfrm>
@@ -6237,10 +6262,10 @@
             <a:buNone/>
           </a:pPr>
           <a:r>
-            <a:rPr lang="de-DE" sz="2500" kern="1200"/>
-            <a:t>Python Kurs belegen</a:t>
+            <a:rPr lang="de-DE" sz="2500" b="1" kern="1200" dirty="0"/>
+            <a:t>Python Kurs absolvieren</a:t>
           </a:r>
-          <a:endParaRPr lang="en-US" sz="2500" kern="1200"/>
+          <a:endParaRPr lang="en-US" sz="2500" b="1" kern="1200" dirty="0"/>
         </a:p>
       </dsp:txBody>
       <dsp:txXfrm>
@@ -6389,18 +6414,18 @@
             <a:buNone/>
           </a:pPr>
           <a:r>
-            <a:rPr lang="de-DE" sz="2500" kern="1200" dirty="0"/>
+            <a:rPr lang="de-DE" sz="2500" b="1" kern="1200" dirty="0"/>
             <a:t>Bessere Kommunikation untereinander (</a:t>
           </a:r>
           <a:r>
-            <a:rPr lang="de-DE" sz="2500" kern="1200" dirty="0" err="1"/>
+            <a:rPr lang="de-DE" sz="2500" b="1" kern="1200" dirty="0" err="1"/>
             <a:t>Github</a:t>
           </a:r>
           <a:r>
-            <a:rPr lang="de-DE" sz="2500" kern="1200" dirty="0"/>
+            <a:rPr lang="de-DE" sz="2500" b="1" kern="1200" dirty="0"/>
             <a:t>)</a:t>
           </a:r>
-          <a:endParaRPr lang="en-US" sz="2500" kern="1200" dirty="0"/>
+          <a:endParaRPr lang="en-US" sz="2500" b="1" kern="1200" dirty="0"/>
         </a:p>
       </dsp:txBody>
       <dsp:txXfrm>
@@ -6549,10 +6574,10 @@
             <a:buNone/>
           </a:pPr>
           <a:r>
-            <a:rPr lang="de-DE" sz="2500" kern="1200"/>
+            <a:rPr lang="de-DE" sz="2500" b="1" kern="1200" dirty="0"/>
             <a:t>Strukturierteres arbeiten</a:t>
           </a:r>
-          <a:endParaRPr lang="en-US" sz="2500" kern="1200"/>
+          <a:endParaRPr lang="en-US" sz="2500" b="1" kern="1200" dirty="0"/>
         </a:p>
       </dsp:txBody>
       <dsp:txXfrm>
@@ -9571,7 +9596,7 @@
           <a:p>
             <a:fld id="{703E22D0-69DB-4AD2-BFDB-B6B0697DB30B}" type="datetimeFigureOut">
               <a:rPr lang="de-DE" smtClean="0"/>
-              <a:t>15.03.2024</a:t>
+              <a:t>20.03.2024</a:t>
             </a:fld>
             <a:endParaRPr lang="de-DE" dirty="0"/>
           </a:p>
@@ -9736,7 +9761,7 @@
           <a:p>
             <a:fld id="{92D0A2B6-884F-47F1-97D4-56FF4241B1BC}" type="datetimeFigureOut">
               <a:rPr lang="de-DE" smtClean="0"/>
-              <a:t>15.03.2024</a:t>
+              <a:t>20.03.2024</a:t>
             </a:fld>
             <a:endParaRPr lang="de-DE" dirty="0"/>
           </a:p>
@@ -10538,7 +10563,7 @@
             <a:pPr rtl="0"/>
             <a:fld id="{6A53FAFE-A8FF-49BF-8B95-C1A5C14FF84D}" type="datetime1">
               <a:rPr lang="de-DE" noProof="0" smtClean="0"/>
-              <a:t>15.03.2024</a:t>
+              <a:t>20.03.2024</a:t>
             </a:fld>
             <a:endParaRPr lang="de-DE" noProof="0" dirty="0"/>
           </a:p>
@@ -10730,7 +10755,7 @@
             <a:pPr rtl="0"/>
             <a:fld id="{A5DA952A-262B-4C09-82C5-587247F1B81B}" type="datetime1">
               <a:rPr lang="de-DE" noProof="0" smtClean="0"/>
-              <a:t>15.03.2024</a:t>
+              <a:t>20.03.2024</a:t>
             </a:fld>
             <a:endParaRPr lang="de-DE" noProof="0" dirty="0"/>
           </a:p>
@@ -11107,7 +11132,7 @@
             <a:pPr rtl="0"/>
             <a:fld id="{CF005D64-4B99-448C-A713-09FA5439052A}" type="datetime1">
               <a:rPr lang="de-DE" noProof="0" smtClean="0"/>
-              <a:t>15.03.2024</a:t>
+              <a:t>20.03.2024</a:t>
             </a:fld>
             <a:endParaRPr lang="de-DE" noProof="0" dirty="0"/>
           </a:p>
@@ -11366,7 +11391,7 @@
             <a:pPr rtl="0"/>
             <a:fld id="{6229FE05-7231-43BE-B847-3AFA4A19CBAA}" type="datetime1">
               <a:rPr lang="de-DE" noProof="0" smtClean="0"/>
-              <a:t>15.03.2024</a:t>
+              <a:t>20.03.2024</a:t>
             </a:fld>
             <a:endParaRPr lang="de-DE" noProof="0" dirty="0"/>
           </a:p>
@@ -11767,7 +11792,7 @@
             <a:pPr rtl="0"/>
             <a:fld id="{5B53D26F-6680-425F-97AB-0E8697BD65E2}" type="datetime1">
               <a:rPr lang="de-DE" noProof="0" smtClean="0"/>
-              <a:t>15.03.2024</a:t>
+              <a:t>20.03.2024</a:t>
             </a:fld>
             <a:endParaRPr lang="de-DE" noProof="0" dirty="0"/>
           </a:p>
@@ -11907,7 +11932,7 @@
             <a:pPr rtl="0"/>
             <a:fld id="{5DA3ECD2-F655-4F1D-98E0-52599BF52BCA}" type="datetime1">
               <a:rPr lang="de-DE" noProof="0" smtClean="0"/>
-              <a:t>15.03.2024</a:t>
+              <a:t>20.03.2024</a:t>
             </a:fld>
             <a:endParaRPr lang="de-DE" noProof="0" dirty="0"/>
           </a:p>
@@ -12067,7 +12092,7 @@
             <a:pPr rtl="0"/>
             <a:fld id="{B48DB74F-2903-429A-9E94-EB396A414E9D}" type="datetime1">
               <a:rPr lang="de-DE" noProof="0" smtClean="0"/>
-              <a:t>15.03.2024</a:t>
+              <a:t>20.03.2024</a:t>
             </a:fld>
             <a:endParaRPr lang="de-DE" noProof="0" dirty="0"/>
           </a:p>
@@ -12400,7 +12425,7 @@
             <a:pPr rtl="0"/>
             <a:fld id="{CFA574F0-4503-424B-A28D-924B84ECEA2A}" type="datetime1">
               <a:rPr lang="de-DE" noProof="0" smtClean="0"/>
-              <a:t>15.03.2024</a:t>
+              <a:t>20.03.2024</a:t>
             </a:fld>
             <a:endParaRPr lang="de-DE" noProof="0" dirty="0"/>
           </a:p>
@@ -12755,7 +12780,7 @@
             <a:pPr rtl="0"/>
             <a:fld id="{93B6CE1F-19FD-43AD-A3FC-53284371392B}" type="datetime1">
               <a:rPr lang="de-DE" noProof="0" smtClean="0"/>
-              <a:t>15.03.2024</a:t>
+              <a:t>20.03.2024</a:t>
             </a:fld>
             <a:endParaRPr lang="de-DE" noProof="0" dirty="0"/>
           </a:p>
@@ -13017,7 +13042,7 @@
             <a:pPr rtl="0"/>
             <a:fld id="{5F6FD458-B8F2-4748-BB72-410F5C7102C5}" type="datetime1">
               <a:rPr lang="de-DE" noProof="0" smtClean="0"/>
-              <a:t>15.03.2024</a:t>
+              <a:t>20.03.2024</a:t>
             </a:fld>
             <a:endParaRPr lang="de-DE" noProof="0" dirty="0"/>
           </a:p>
@@ -14079,6 +14104,198 @@
       </p:grpSpPr>
       <p:sp>
         <p:nvSpPr>
+          <p:cNvPr id="2" name="Titel 1">
+            <a:extLst>
+              <a:ext uri="{FF2B5EF4-FFF2-40B4-BE49-F238E27FC236}">
+                <a16:creationId xmlns:a16="http://schemas.microsoft.com/office/drawing/2014/main" id="{23E23D50-D68E-C72D-20EF-B93E1EEC3140}"/>
+              </a:ext>
+            </a:extLst>
+          </p:cNvPr>
+          <p:cNvSpPr>
+            <a:spLocks noGrp="1"/>
+          </p:cNvSpPr>
+          <p:nvPr>
+            <p:ph type="title"/>
+          </p:nvPr>
+        </p:nvSpPr>
+        <p:spPr/>
+        <p:txBody>
+          <a:bodyPr/>
+          <a:lstStyle/>
+          <a:p>
+            <a:r>
+              <a:rPr lang="en-US" dirty="0" err="1"/>
+              <a:t>Zukunftsaussichten</a:t>
+            </a:r>
+            <a:endParaRPr lang="en-US" dirty="0"/>
+          </a:p>
+        </p:txBody>
+      </p:sp>
+      <p:sp>
+        <p:nvSpPr>
+          <p:cNvPr id="3" name="Inhaltsplatzhalter 2">
+            <a:extLst>
+              <a:ext uri="{FF2B5EF4-FFF2-40B4-BE49-F238E27FC236}">
+                <a16:creationId xmlns:a16="http://schemas.microsoft.com/office/drawing/2014/main" id="{D0D728EA-22D2-3F0D-5ACB-FDF027B84913}"/>
+              </a:ext>
+            </a:extLst>
+          </p:cNvPr>
+          <p:cNvSpPr>
+            <a:spLocks noGrp="1"/>
+          </p:cNvSpPr>
+          <p:nvPr>
+            <p:ph idx="1"/>
+          </p:nvPr>
+        </p:nvSpPr>
+        <p:spPr/>
+        <p:txBody>
+          <a:bodyPr/>
+          <a:lstStyle/>
+          <a:p>
+            <a:pPr>
+              <a:buFont typeface="Arial" panose="020B0604020202020204" pitchFamily="34" charset="0"/>
+              <a:buChar char="•"/>
+            </a:pPr>
+            <a:r>
+              <a:rPr lang="en-US" sz="2500" dirty="0"/>
+              <a:t> Vollständige Tilemap &amp; </a:t>
+            </a:r>
+            <a:r>
+              <a:rPr lang="en-US" sz="2500" dirty="0" err="1"/>
+              <a:t>mehrere</a:t>
+            </a:r>
+            <a:r>
+              <a:rPr lang="en-US" sz="2500" dirty="0"/>
+              <a:t> Custom-</a:t>
+            </a:r>
+            <a:r>
+              <a:rPr lang="en-US" sz="2500" dirty="0" err="1"/>
+              <a:t>Texturen</a:t>
+            </a:r>
+            <a:endParaRPr lang="en-US" sz="2500" dirty="0"/>
+          </a:p>
+          <a:p>
+            <a:pPr>
+              <a:buFont typeface="Arial" panose="020B0604020202020204" pitchFamily="34" charset="0"/>
+              <a:buChar char="•"/>
+            </a:pPr>
+            <a:r>
+              <a:rPr lang="en-US" sz="2500" dirty="0"/>
+              <a:t> </a:t>
+            </a:r>
+            <a:r>
+              <a:rPr lang="en-US" sz="2500" dirty="0" err="1"/>
+              <a:t>Verschiedenen</a:t>
+            </a:r>
+            <a:r>
+              <a:rPr lang="en-US" sz="2500" dirty="0"/>
+              <a:t> Levels</a:t>
+            </a:r>
+          </a:p>
+          <a:p>
+            <a:pPr>
+              <a:buFont typeface="Arial" panose="020B0604020202020204" pitchFamily="34" charset="0"/>
+              <a:buChar char="•"/>
+            </a:pPr>
+            <a:r>
+              <a:rPr lang="en-US" sz="2500" dirty="0"/>
+              <a:t> </a:t>
+            </a:r>
+            <a:r>
+              <a:rPr lang="en-US" sz="2500" dirty="0" err="1"/>
+              <a:t>Gegner</a:t>
+            </a:r>
+            <a:r>
+              <a:rPr lang="en-US" sz="2500" dirty="0"/>
+              <a:t> &amp; </a:t>
+            </a:r>
+            <a:r>
+              <a:rPr lang="en-US" sz="2500" dirty="0" err="1"/>
+              <a:t>Schadensystem</a:t>
+            </a:r>
+            <a:endParaRPr lang="en-US" sz="2500" dirty="0"/>
+          </a:p>
+          <a:p>
+            <a:pPr>
+              <a:buFont typeface="Arial" panose="020B0604020202020204" pitchFamily="34" charset="0"/>
+              <a:buChar char="•"/>
+            </a:pPr>
+            <a:r>
+              <a:rPr lang="en-US" sz="2500" dirty="0"/>
+              <a:t> </a:t>
+            </a:r>
+            <a:r>
+              <a:rPr lang="en-US" sz="2500" dirty="0" err="1"/>
+              <a:t>Währungssystem</a:t>
+            </a:r>
+            <a:endParaRPr lang="en-US" sz="2500" dirty="0"/>
+          </a:p>
+          <a:p>
+            <a:pPr>
+              <a:buFont typeface="Arial" panose="020B0604020202020204" pitchFamily="34" charset="0"/>
+              <a:buChar char="•"/>
+            </a:pPr>
+            <a:r>
+              <a:rPr lang="en-US" sz="2500" dirty="0"/>
+              <a:t> Items</a:t>
+            </a:r>
+          </a:p>
+          <a:p>
+            <a:pPr>
+              <a:buFont typeface="Arial" panose="020B0604020202020204" pitchFamily="34" charset="0"/>
+              <a:buChar char="•"/>
+            </a:pPr>
+            <a:r>
+              <a:rPr lang="en-US" sz="2500" dirty="0"/>
+              <a:t> Music &amp; </a:t>
+            </a:r>
+            <a:r>
+              <a:rPr lang="en-US" sz="2500" dirty="0" err="1"/>
+              <a:t>SoundDesign</a:t>
+            </a:r>
+            <a:endParaRPr lang="en-US" sz="2500" dirty="0"/>
+          </a:p>
+          <a:p>
+            <a:pPr>
+              <a:buFont typeface="Arial" panose="020B0604020202020204" pitchFamily="34" charset="0"/>
+              <a:buChar char="•"/>
+            </a:pPr>
+            <a:endParaRPr lang="en-US" dirty="0"/>
+          </a:p>
+        </p:txBody>
+      </p:sp>
+    </p:spTree>
+    <p:extLst>
+      <p:ext uri="{BB962C8B-B14F-4D97-AF65-F5344CB8AC3E}">
+        <p14:creationId xmlns:p14="http://schemas.microsoft.com/office/powerpoint/2010/main" val="3709065735"/>
+      </p:ext>
+    </p:extLst>
+  </p:cSld>
+  <p:clrMapOvr>
+    <a:masterClrMapping/>
+  </p:clrMapOvr>
+</p:sld>
+</file>
+
+<file path=ppt/slides/slide11.xml><?xml version="1.0" encoding="utf-8"?>
+<p:sld xmlns:a="http://schemas.openxmlformats.org/drawingml/2006/main" xmlns:r="http://schemas.openxmlformats.org/officeDocument/2006/relationships" xmlns:p="http://schemas.openxmlformats.org/presentationml/2006/main">
+  <p:cSld>
+    <p:spTree>
+      <p:nvGrpSpPr>
+        <p:cNvPr id="1" name=""/>
+        <p:cNvGrpSpPr/>
+        <p:nvPr/>
+      </p:nvGrpSpPr>
+      <p:grpSpPr>
+        <a:xfrm>
+          <a:off x="0" y="0"/>
+          <a:ext cx="0" cy="0"/>
+          <a:chOff x="0" y="0"/>
+          <a:chExt cx="0" cy="0"/>
+        </a:xfrm>
+      </p:grpSpPr>
+      <p:sp>
+        <p:nvSpPr>
           <p:cNvPr id="4" name="Titel 3">
             <a:extLst>
               <a:ext uri="{FF2B5EF4-FFF2-40B4-BE49-F238E27FC236}">
@@ -14814,7 +15031,124 @@
           <a:bodyPr/>
           <a:lstStyle/>
           <a:p>
-            <a:endParaRPr lang="en-US"/>
+            <a:pPr>
+              <a:buFont typeface="Arial" panose="020B0604020202020204" pitchFamily="34" charset="0"/>
+              <a:buChar char="•"/>
+            </a:pPr>
+            <a:r>
+              <a:rPr lang="en-US" dirty="0"/>
+              <a:t> </a:t>
+            </a:r>
+            <a:r>
+              <a:rPr lang="en-US" dirty="0" err="1"/>
+              <a:t>Sollstand</a:t>
+            </a:r>
+            <a:r>
+              <a:rPr lang="en-US" dirty="0"/>
+              <a:t> / </a:t>
+            </a:r>
+            <a:r>
+              <a:rPr lang="en-US" dirty="0" err="1"/>
+              <a:t>Iststand</a:t>
+            </a:r>
+            <a:endParaRPr lang="en-US" dirty="0"/>
+          </a:p>
+          <a:p>
+            <a:pPr>
+              <a:buFont typeface="Arial" panose="020B0604020202020204" pitchFamily="34" charset="0"/>
+              <a:buChar char="•"/>
+            </a:pPr>
+            <a:r>
+              <a:rPr lang="en-US" dirty="0"/>
+              <a:t> </a:t>
+            </a:r>
+            <a:r>
+              <a:rPr lang="en-US" dirty="0" err="1"/>
+              <a:t>Gründe</a:t>
+            </a:r>
+            <a:r>
+              <a:rPr lang="en-US" dirty="0"/>
+              <a:t> für </a:t>
+            </a:r>
+            <a:r>
+              <a:rPr lang="en-US" dirty="0" err="1"/>
+              <a:t>Rückstand</a:t>
+            </a:r>
+            <a:endParaRPr lang="en-US" dirty="0"/>
+          </a:p>
+          <a:p>
+            <a:pPr>
+              <a:buFont typeface="Arial" panose="020B0604020202020204" pitchFamily="34" charset="0"/>
+              <a:buChar char="•"/>
+            </a:pPr>
+            <a:r>
+              <a:rPr lang="en-US" dirty="0"/>
+              <a:t> </a:t>
+            </a:r>
+            <a:r>
+              <a:rPr lang="en-US" dirty="0" err="1"/>
+              <a:t>Entsprechende</a:t>
+            </a:r>
+            <a:r>
+              <a:rPr lang="en-US" dirty="0"/>
+              <a:t> </a:t>
+            </a:r>
+            <a:r>
+              <a:rPr lang="en-US" dirty="0" err="1"/>
+              <a:t>Maßnahmen</a:t>
+            </a:r>
+            <a:endParaRPr lang="en-US" dirty="0"/>
+          </a:p>
+          <a:p>
+            <a:pPr>
+              <a:buFont typeface="Arial" panose="020B0604020202020204" pitchFamily="34" charset="0"/>
+              <a:buChar char="•"/>
+            </a:pPr>
+            <a:r>
+              <a:rPr lang="en-US" dirty="0"/>
+              <a:t> </a:t>
+            </a:r>
+            <a:r>
+              <a:rPr lang="en-US" dirty="0" err="1"/>
+              <a:t>Projektdemonstration</a:t>
+            </a:r>
+            <a:endParaRPr lang="en-US" dirty="0"/>
+          </a:p>
+          <a:p>
+            <a:pPr>
+              <a:buFont typeface="Arial" panose="020B0604020202020204" pitchFamily="34" charset="0"/>
+              <a:buChar char="•"/>
+            </a:pPr>
+            <a:r>
+              <a:rPr lang="en-US" dirty="0"/>
+              <a:t> </a:t>
+            </a:r>
+            <a:r>
+              <a:rPr lang="en-US" dirty="0" err="1"/>
+              <a:t>Zukunftsaussichten</a:t>
+            </a:r>
+            <a:endParaRPr lang="en-US" dirty="0"/>
+          </a:p>
+          <a:p>
+            <a:pPr>
+              <a:buFont typeface="Arial" panose="020B0604020202020204" pitchFamily="34" charset="0"/>
+              <a:buChar char="•"/>
+            </a:pPr>
+            <a:endParaRPr lang="en-US" dirty="0"/>
+          </a:p>
+          <a:p>
+            <a:pPr>
+              <a:buFont typeface="Arial" panose="020B0604020202020204" pitchFamily="34" charset="0"/>
+              <a:buChar char="•"/>
+            </a:pPr>
+            <a:endParaRPr lang="en-US" dirty="0"/>
+          </a:p>
+          <a:p>
+            <a:pPr>
+              <a:buFont typeface="Arial" panose="020B0604020202020204" pitchFamily="34" charset="0"/>
+              <a:buChar char="•"/>
+            </a:pPr>
+            <a:endParaRPr lang="en-US" dirty="0"/>
           </a:p>
         </p:txBody>
       </p:sp>
@@ -15144,7 +15478,13 @@
           <p:cNvGraphicFramePr>
             <a:graphicFrameLocks/>
           </p:cNvGraphicFramePr>
-          <p:nvPr/>
+          <p:nvPr>
+            <p:extLst>
+              <p:ext uri="{D42A27DB-BD31-4B8C-83A1-F6EECF244321}">
+                <p14:modId xmlns:p14="http://schemas.microsoft.com/office/powerpoint/2010/main" val="133059436"/>
+              </p:ext>
+            </p:extLst>
+          </p:nvPr>
         </p:nvGraphicFramePr>
         <p:xfrm>
           <a:off x="0" y="0"/>
@@ -15613,7 +15953,7 @@
             <p:ph idx="1"/>
             <p:extLst>
               <p:ext uri="{D42A27DB-BD31-4B8C-83A1-F6EECF244321}">
-                <p14:modId xmlns:p14="http://schemas.microsoft.com/office/powerpoint/2010/main" val="4054136472"/>
+                <p14:modId xmlns:p14="http://schemas.microsoft.com/office/powerpoint/2010/main" val="312802242"/>
               </p:ext>
             </p:extLst>
           </p:nvPr>
@@ -15699,8 +16039,8 @@
           <a:lstStyle/>
           <a:p>
             <a:r>
-              <a:rPr lang="de-DE" sz="3300"/>
-              <a:t>Maßnahmen um Gegenzuwirken</a:t>
+              <a:rPr lang="de-DE" sz="3300" dirty="0"/>
+              <a:t>Maßnahmen</a:t>
             </a:r>
           </a:p>
         </p:txBody>
@@ -15721,7 +16061,7 @@
             <p:ph idx="1"/>
             <p:extLst>
               <p:ext uri="{D42A27DB-BD31-4B8C-83A1-F6EECF244321}">
-                <p14:modId xmlns:p14="http://schemas.microsoft.com/office/powerpoint/2010/main" val="3759652128"/>
+                <p14:modId xmlns:p14="http://schemas.microsoft.com/office/powerpoint/2010/main" val="1905096057"/>
               </p:ext>
             </p:extLst>
           </p:nvPr>
@@ -15844,6 +16184,18 @@
   <p:clrMapOvr>
     <a:masterClrMapping/>
   </p:clrMapOvr>
+  <mc:AlternateContent xmlns:mc="http://schemas.openxmlformats.org/markup-compatibility/2006">
+    <mc:Choice xmlns:p159="http://schemas.microsoft.com/office/powerpoint/2015/09/main" Requires="p159">
+      <p:transition xmlns:p14="http://schemas.microsoft.com/office/powerpoint/2010/main" spd="slow" p14:dur="2000">
+        <p159:morph option="byObject"/>
+      </p:transition>
+    </mc:Choice>
+    <mc:Fallback>
+      <p:transition spd="slow">
+        <p:fade/>
+      </p:transition>
+    </mc:Fallback>
+  </mc:AlternateContent>
 </p:sld>
 </file>
 
@@ -16739,12 +17091,12 @@
 </file>
 
 <file path=customXml/item1.xml><?xml version="1.0" encoding="utf-8"?>
-<p:properties xmlns:p="http://schemas.microsoft.com/office/2006/metadata/properties" xmlns:xsi="http://www.w3.org/2001/XMLSchema-instance" xmlns:pc="http://schemas.microsoft.com/office/infopath/2007/PartnerControls">
-  <documentManagement>
-    <Status xmlns="71af3243-3dd4-4a8d-8c0d-dd76da1f02a5">Not started</Status>
-    <MediaServiceKeyPoints xmlns="71af3243-3dd4-4a8d-8c0d-dd76da1f02a5" xsi:nil="true"/>
-  </documentManagement>
-</p:properties>
+<?mso-contentType ?>
+<FormTemplates xmlns="http://schemas.microsoft.com/sharepoint/v3/contenttype/forms">
+  <Display>DocumentLibraryForm</Display>
+  <Edit>DocumentLibraryForm</Edit>
+  <New>DocumentLibraryForm</New>
+</FormTemplates>
 </file>
 
 <file path=customXml/item2.xml><?xml version="1.0" encoding="utf-8"?>
@@ -16969,20 +17321,18 @@
 </file>
 
 <file path=customXml/item3.xml><?xml version="1.0" encoding="utf-8"?>
-<?mso-contentType ?>
-<FormTemplates xmlns="http://schemas.microsoft.com/sharepoint/v3/contenttype/forms">
-  <Display>DocumentLibraryForm</Display>
-  <Edit>DocumentLibraryForm</Edit>
-  <New>DocumentLibraryForm</New>
-</FormTemplates>
+<p:properties xmlns:p="http://schemas.microsoft.com/office/2006/metadata/properties" xmlns:xsi="http://www.w3.org/2001/XMLSchema-instance" xmlns:pc="http://schemas.microsoft.com/office/infopath/2007/PartnerControls">
+  <documentManagement>
+    <Status xmlns="71af3243-3dd4-4a8d-8c0d-dd76da1f02a5">Not started</Status>
+    <MediaServiceKeyPoints xmlns="71af3243-3dd4-4a8d-8c0d-dd76da1f02a5" xsi:nil="true"/>
+  </documentManagement>
+</p:properties>
 </file>
 
 <file path=customXml/itemProps1.xml><?xml version="1.0" encoding="utf-8"?>
-<ds:datastoreItem xmlns:ds="http://schemas.openxmlformats.org/officeDocument/2006/customXml" ds:itemID="{A03EEFF0-FB57-4CB4-8BFC-DF397689E2ED}">
+<ds:datastoreItem xmlns:ds="http://schemas.openxmlformats.org/officeDocument/2006/customXml" ds:itemID="{AA3F7EDC-E5B4-4BBC-9D2A-CBE6D46C37AD}">
   <ds:schemaRefs>
-    <ds:schemaRef ds:uri="http://schemas.microsoft.com/office/2006/metadata/properties"/>
-    <ds:schemaRef ds:uri="http://schemas.microsoft.com/office/infopath/2007/PartnerControls"/>
-    <ds:schemaRef ds:uri="71af3243-3dd4-4a8d-8c0d-dd76da1f02a5"/>
+    <ds:schemaRef ds:uri="http://schemas.microsoft.com/sharepoint/v3/contenttype/forms"/>
   </ds:schemaRefs>
 </ds:datastoreItem>
 </file>
@@ -17007,9 +17357,11 @@
 </file>
 
 <file path=customXml/itemProps3.xml><?xml version="1.0" encoding="utf-8"?>
-<ds:datastoreItem xmlns:ds="http://schemas.openxmlformats.org/officeDocument/2006/customXml" ds:itemID="{AA3F7EDC-E5B4-4BBC-9D2A-CBE6D46C37AD}">
+<ds:datastoreItem xmlns:ds="http://schemas.openxmlformats.org/officeDocument/2006/customXml" ds:itemID="{A03EEFF0-FB57-4CB4-8BFC-DF397689E2ED}">
   <ds:schemaRefs>
-    <ds:schemaRef ds:uri="http://schemas.microsoft.com/sharepoint/v3/contenttype/forms"/>
+    <ds:schemaRef ds:uri="http://schemas.microsoft.com/office/2006/metadata/properties"/>
+    <ds:schemaRef ds:uri="http://schemas.microsoft.com/office/infopath/2007/PartnerControls"/>
+    <ds:schemaRef ds:uri="71af3243-3dd4-4a8d-8c0d-dd76da1f02a5"/>
   </ds:schemaRefs>
 </ds:datastoreItem>
 </file>
--- a/Docs/11_Zwischenpräsentation.pptx
+++ b/Docs/11_Zwischenpräsentation.pptx
@@ -129,6 +129,12 @@
     </p:ext>
   </p:extLst>
 </p:presentation>
+</file>
+
+<file path=ppt/authors.xml><?xml version="1.0" encoding="utf-8"?>
+<p188:authorLst xmlns:a="http://schemas.openxmlformats.org/drawingml/2006/main" xmlns:r="http://schemas.openxmlformats.org/officeDocument/2006/relationships" xmlns:p188="http://schemas.microsoft.com/office/powerpoint/2018/8/main">
+  <p188:author id="{3FB8EEC4-2817-02E0-61C1-69E6795FE54E}" name="Aberger Jonas" initials="JA" userId="S::jonas.aberger@htl-saalfelden.at::ceb1aaf8-5544-4c36-af61-de230cd7d456" providerId="AD"/>
+</p188:authorLst>
 </file>
 
 <file path=ppt/charts/chart1.xml><?xml version="1.0" encoding="utf-8"?>
@@ -4361,42 +4367,42 @@
 </file>
 
 <file path=ppt/diagrams/colors2.xml><?xml version="1.0" encoding="utf-8"?>
-<dgm:colorsDef xmlns:dgm="http://schemas.openxmlformats.org/drawingml/2006/diagram" xmlns:a="http://schemas.openxmlformats.org/drawingml/2006/main" uniqueId="urn:microsoft.com/office/officeart/2005/8/colors/accent2_2">
+<dgm:colorsDef xmlns:dgm="http://schemas.openxmlformats.org/drawingml/2006/diagram" xmlns:a="http://schemas.openxmlformats.org/drawingml/2006/main" uniqueId="urn:microsoft.com/office/officeart/2005/8/colors/accent0_3">
   <dgm:title val=""/>
   <dgm:desc val=""/>
   <dgm:catLst>
-    <dgm:cat type="accent2" pri="11200"/>
+    <dgm:cat type="mainScheme" pri="10300"/>
   </dgm:catLst>
   <dgm:styleLbl name="node0">
     <dgm:fillClrLst meth="repeat">
-      <a:schemeClr val="accent2"/>
+      <a:schemeClr val="dk2"/>
     </dgm:fillClrLst>
     <dgm:linClrLst meth="repeat">
-      <a:schemeClr val="lt1"/>
+      <a:schemeClr val="lt2"/>
     </dgm:linClrLst>
     <dgm:effectClrLst/>
     <dgm:txLinClrLst/>
     <dgm:txFillClrLst/>
     <dgm:txEffectClrLst/>
   </dgm:styleLbl>
-  <dgm:styleLbl name="node1">
+  <dgm:styleLbl name="alignNode1">
     <dgm:fillClrLst meth="repeat">
-      <a:schemeClr val="accent2"/>
+      <a:schemeClr val="dk2"/>
     </dgm:fillClrLst>
     <dgm:linClrLst meth="repeat">
-      <a:schemeClr val="lt1"/>
+      <a:schemeClr val="dk2"/>
     </dgm:linClrLst>
     <dgm:effectClrLst/>
     <dgm:txLinClrLst/>
     <dgm:txFillClrLst/>
     <dgm:txEffectClrLst/>
   </dgm:styleLbl>
-  <dgm:styleLbl name="alignNode1">
+  <dgm:styleLbl name="node1">
     <dgm:fillClrLst meth="repeat">
-      <a:schemeClr val="accent2"/>
+      <a:schemeClr val="dk2"/>
     </dgm:fillClrLst>
     <dgm:linClrLst meth="repeat">
-      <a:schemeClr val="accent2"/>
+      <a:schemeClr val="lt2"/>
     </dgm:linClrLst>
     <dgm:effectClrLst/>
     <dgm:txLinClrLst/>
@@ -4405,10 +4411,10 @@
   </dgm:styleLbl>
   <dgm:styleLbl name="lnNode1">
     <dgm:fillClrLst meth="repeat">
-      <a:schemeClr val="accent2"/>
+      <a:schemeClr val="dk2"/>
     </dgm:fillClrLst>
     <dgm:linClrLst meth="repeat">
-      <a:schemeClr val="lt1"/>
+      <a:schemeClr val="lt2"/>
     </dgm:linClrLst>
     <dgm:effectClrLst/>
     <dgm:txLinClrLst/>
@@ -4417,12 +4423,12 @@
   </dgm:styleLbl>
   <dgm:styleLbl name="vennNode1">
     <dgm:fillClrLst meth="repeat">
-      <a:schemeClr val="accent2">
+      <a:schemeClr val="dk2">
         <a:alpha val="50000"/>
       </a:schemeClr>
     </dgm:fillClrLst>
     <dgm:linClrLst meth="repeat">
-      <a:schemeClr val="lt1"/>
+      <a:schemeClr val="lt2"/>
     </dgm:linClrLst>
     <dgm:effectClrLst/>
     <dgm:txLinClrLst/>
@@ -4431,10 +4437,10 @@
   </dgm:styleLbl>
   <dgm:styleLbl name="node2">
     <dgm:fillClrLst meth="repeat">
-      <a:schemeClr val="accent2"/>
+      <a:schemeClr val="dk2"/>
     </dgm:fillClrLst>
     <dgm:linClrLst meth="repeat">
-      <a:schemeClr val="lt1"/>
+      <a:schemeClr val="lt2"/>
     </dgm:linClrLst>
     <dgm:effectClrLst/>
     <dgm:txLinClrLst/>
@@ -4443,10 +4449,10 @@
   </dgm:styleLbl>
   <dgm:styleLbl name="node3">
     <dgm:fillClrLst meth="repeat">
-      <a:schemeClr val="accent2"/>
+      <a:schemeClr val="dk2"/>
     </dgm:fillClrLst>
     <dgm:linClrLst meth="repeat">
-      <a:schemeClr val="lt1"/>
+      <a:schemeClr val="lt2"/>
     </dgm:linClrLst>
     <dgm:effectClrLst/>
     <dgm:txLinClrLst/>
@@ -4455,10 +4461,10 @@
   </dgm:styleLbl>
   <dgm:styleLbl name="node4">
     <dgm:fillClrLst meth="repeat">
-      <a:schemeClr val="accent2"/>
+      <a:schemeClr val="dk2"/>
     </dgm:fillClrLst>
     <dgm:linClrLst meth="repeat">
-      <a:schemeClr val="lt1"/>
+      <a:schemeClr val="lt2"/>
     </dgm:linClrLst>
     <dgm:effectClrLst/>
     <dgm:txLinClrLst/>
@@ -4467,60 +4473,64 @@
   </dgm:styleLbl>
   <dgm:styleLbl name="fgImgPlace1">
     <dgm:fillClrLst meth="repeat">
-      <a:schemeClr val="accent2">
+      <a:schemeClr val="dk2">
         <a:tint val="50000"/>
       </a:schemeClr>
     </dgm:fillClrLst>
     <dgm:linClrLst meth="repeat">
-      <a:schemeClr val="lt1"/>
+      <a:schemeClr val="lt2"/>
     </dgm:linClrLst>
     <dgm:effectClrLst/>
     <dgm:txLinClrLst/>
     <dgm:txFillClrLst meth="repeat">
-      <a:schemeClr val="lt1"/>
+      <a:schemeClr val="lt2"/>
     </dgm:txFillClrLst>
     <dgm:txEffectClrLst/>
   </dgm:styleLbl>
   <dgm:styleLbl name="alignImgPlace1">
     <dgm:fillClrLst meth="repeat">
-      <a:schemeClr val="accent2">
+      <a:schemeClr val="dk2">
         <a:tint val="50000"/>
       </a:schemeClr>
     </dgm:fillClrLst>
     <dgm:linClrLst meth="repeat">
-      <a:schemeClr val="lt1"/>
+      <a:schemeClr val="dk2">
+        <a:shade val="80000"/>
+      </a:schemeClr>
     </dgm:linClrLst>
     <dgm:effectClrLst/>
     <dgm:txLinClrLst/>
     <dgm:txFillClrLst meth="repeat">
-      <a:schemeClr val="lt1"/>
+      <a:schemeClr val="lt2"/>
     </dgm:txFillClrLst>
     <dgm:txEffectClrLst/>
   </dgm:styleLbl>
   <dgm:styleLbl name="bgImgPlace1">
     <dgm:fillClrLst meth="repeat">
-      <a:schemeClr val="accent2">
+      <a:schemeClr val="dk2">
         <a:tint val="50000"/>
       </a:schemeClr>
     </dgm:fillClrLst>
     <dgm:linClrLst meth="repeat">
-      <a:schemeClr val="lt1"/>
+      <a:schemeClr val="dk2">
+        <a:shade val="80000"/>
+      </a:schemeClr>
     </dgm:linClrLst>
     <dgm:effectClrLst/>
     <dgm:txLinClrLst/>
     <dgm:txFillClrLst meth="repeat">
-      <a:schemeClr val="lt1"/>
+      <a:schemeClr val="lt2"/>
     </dgm:txFillClrLst>
     <dgm:txEffectClrLst/>
   </dgm:styleLbl>
   <dgm:styleLbl name="sibTrans2D1">
     <dgm:fillClrLst meth="repeat">
-      <a:schemeClr val="accent2">
+      <a:schemeClr val="dk2">
         <a:tint val="60000"/>
       </a:schemeClr>
     </dgm:fillClrLst>
     <dgm:linClrLst meth="repeat">
-      <a:schemeClr val="accent2">
+      <a:schemeClr val="dk2">
         <a:tint val="60000"/>
       </a:schemeClr>
     </dgm:linClrLst>
@@ -4531,12 +4541,12 @@
   </dgm:styleLbl>
   <dgm:styleLbl name="fgSibTrans2D1">
     <dgm:fillClrLst meth="repeat">
-      <a:schemeClr val="accent2">
+      <a:schemeClr val="dk2">
         <a:tint val="60000"/>
       </a:schemeClr>
     </dgm:fillClrLst>
     <dgm:linClrLst meth="repeat">
-      <a:schemeClr val="accent2">
+      <a:schemeClr val="dk2">
         <a:tint val="60000"/>
       </a:schemeClr>
     </dgm:linClrLst>
@@ -4547,12 +4557,12 @@
   </dgm:styleLbl>
   <dgm:styleLbl name="bgSibTrans2D1">
     <dgm:fillClrLst meth="repeat">
-      <a:schemeClr val="accent2">
+      <a:schemeClr val="dk2">
         <a:tint val="60000"/>
       </a:schemeClr>
     </dgm:fillClrLst>
     <dgm:linClrLst meth="repeat">
-      <a:schemeClr val="accent2">
+      <a:schemeClr val="dk2">
         <a:tint val="60000"/>
       </a:schemeClr>
     </dgm:linClrLst>
@@ -4563,40 +4573,40 @@
   </dgm:styleLbl>
   <dgm:styleLbl name="sibTrans1D1">
     <dgm:fillClrLst meth="repeat">
-      <a:schemeClr val="accent2"/>
+      <a:schemeClr val="dk2"/>
     </dgm:fillClrLst>
     <dgm:linClrLst meth="repeat">
-      <a:schemeClr val="accent2"/>
+      <a:schemeClr val="dk2"/>
     </dgm:linClrLst>
     <dgm:effectClrLst/>
     <dgm:txLinClrLst/>
     <dgm:txFillClrLst meth="repeat">
-      <a:schemeClr val="tx1"/>
+      <a:schemeClr val="lt2"/>
     </dgm:txFillClrLst>
     <dgm:txEffectClrLst/>
   </dgm:styleLbl>
   <dgm:styleLbl name="callout">
     <dgm:fillClrLst meth="repeat">
-      <a:schemeClr val="accent2"/>
+      <a:schemeClr val="dk2"/>
     </dgm:fillClrLst>
     <dgm:linClrLst meth="repeat">
-      <a:schemeClr val="accent2">
+      <a:schemeClr val="dk2">
         <a:tint val="50000"/>
       </a:schemeClr>
     </dgm:linClrLst>
     <dgm:effectClrLst/>
     <dgm:txLinClrLst/>
     <dgm:txFillClrLst meth="repeat">
-      <a:schemeClr val="tx1"/>
+      <a:schemeClr val="lt2"/>
     </dgm:txFillClrLst>
     <dgm:txEffectClrLst/>
   </dgm:styleLbl>
   <dgm:styleLbl name="asst0">
     <dgm:fillClrLst meth="repeat">
-      <a:schemeClr val="accent2"/>
+      <a:schemeClr val="dk2"/>
     </dgm:fillClrLst>
     <dgm:linClrLst meth="repeat">
-      <a:schemeClr val="lt1"/>
+      <a:schemeClr val="lt2"/>
     </dgm:linClrLst>
     <dgm:effectClrLst/>
     <dgm:txLinClrLst/>
@@ -4605,10 +4615,10 @@
   </dgm:styleLbl>
   <dgm:styleLbl name="asst1">
     <dgm:fillClrLst meth="repeat">
-      <a:schemeClr val="accent2"/>
+      <a:schemeClr val="dk2"/>
     </dgm:fillClrLst>
     <dgm:linClrLst meth="repeat">
-      <a:schemeClr val="lt1"/>
+      <a:schemeClr val="lt2"/>
     </dgm:linClrLst>
     <dgm:effectClrLst/>
     <dgm:txLinClrLst/>
@@ -4617,10 +4627,10 @@
   </dgm:styleLbl>
   <dgm:styleLbl name="asst2">
     <dgm:fillClrLst meth="repeat">
-      <a:schemeClr val="accent2"/>
+      <a:schemeClr val="dk2"/>
     </dgm:fillClrLst>
     <dgm:linClrLst meth="repeat">
-      <a:schemeClr val="lt1"/>
+      <a:schemeClr val="lt2"/>
     </dgm:linClrLst>
     <dgm:effectClrLst/>
     <dgm:txLinClrLst/>
@@ -4629,10 +4639,10 @@
   </dgm:styleLbl>
   <dgm:styleLbl name="asst3">
     <dgm:fillClrLst meth="repeat">
-      <a:schemeClr val="accent2"/>
+      <a:schemeClr val="dk2"/>
     </dgm:fillClrLst>
     <dgm:linClrLst meth="repeat">
-      <a:schemeClr val="lt1"/>
+      <a:schemeClr val="lt2"/>
     </dgm:linClrLst>
     <dgm:effectClrLst/>
     <dgm:txLinClrLst/>
@@ -4641,10 +4651,10 @@
   </dgm:styleLbl>
   <dgm:styleLbl name="asst4">
     <dgm:fillClrLst meth="repeat">
-      <a:schemeClr val="accent2"/>
+      <a:schemeClr val="dk2"/>
     </dgm:fillClrLst>
     <dgm:linClrLst meth="repeat">
-      <a:schemeClr val="lt1"/>
+      <a:schemeClr val="lt2"/>
     </dgm:linClrLst>
     <dgm:effectClrLst/>
     <dgm:txLinClrLst/>
@@ -4653,70 +4663,70 @@
   </dgm:styleLbl>
   <dgm:styleLbl name="parChTrans2D1">
     <dgm:fillClrLst meth="repeat">
-      <a:schemeClr val="accent2">
+      <a:schemeClr val="dk2">
         <a:tint val="60000"/>
       </a:schemeClr>
     </dgm:fillClrLst>
     <dgm:linClrLst meth="repeat">
-      <a:schemeClr val="accent2">
+      <a:schemeClr val="dk2">
         <a:tint val="60000"/>
       </a:schemeClr>
     </dgm:linClrLst>
     <dgm:effectClrLst/>
     <dgm:txLinClrLst/>
     <dgm:txFillClrLst meth="repeat">
-      <a:schemeClr val="lt1"/>
+      <a:schemeClr val="lt2"/>
     </dgm:txFillClrLst>
     <dgm:txEffectClrLst/>
   </dgm:styleLbl>
   <dgm:styleLbl name="parChTrans2D2">
     <dgm:fillClrLst meth="repeat">
-      <a:schemeClr val="accent2"/>
+      <a:schemeClr val="dk2"/>
     </dgm:fillClrLst>
     <dgm:linClrLst meth="repeat">
-      <a:schemeClr val="accent2"/>
+      <a:schemeClr val="dk2"/>
     </dgm:linClrLst>
     <dgm:effectClrLst/>
     <dgm:txLinClrLst/>
     <dgm:txFillClrLst meth="repeat">
-      <a:schemeClr val="lt1"/>
+      <a:schemeClr val="lt2"/>
     </dgm:txFillClrLst>
     <dgm:txEffectClrLst/>
   </dgm:styleLbl>
   <dgm:styleLbl name="parChTrans2D3">
     <dgm:fillClrLst meth="repeat">
-      <a:schemeClr val="accent2"/>
+      <a:schemeClr val="dk2"/>
     </dgm:fillClrLst>
     <dgm:linClrLst meth="repeat">
-      <a:schemeClr val="accent2"/>
+      <a:schemeClr val="dk2"/>
     </dgm:linClrLst>
     <dgm:effectClrLst/>
     <dgm:txLinClrLst/>
     <dgm:txFillClrLst meth="repeat">
-      <a:schemeClr val="lt1"/>
+      <a:schemeClr val="lt2"/>
     </dgm:txFillClrLst>
     <dgm:txEffectClrLst/>
   </dgm:styleLbl>
   <dgm:styleLbl name="parChTrans2D4">
     <dgm:fillClrLst meth="repeat">
-      <a:schemeClr val="accent2"/>
+      <a:schemeClr val="dk2"/>
     </dgm:fillClrLst>
     <dgm:linClrLst meth="repeat">
-      <a:schemeClr val="accent2"/>
+      <a:schemeClr val="dk2"/>
     </dgm:linClrLst>
     <dgm:effectClrLst/>
     <dgm:txLinClrLst/>
     <dgm:txFillClrLst meth="repeat">
-      <a:schemeClr val="lt1"/>
+      <a:schemeClr val="lt2"/>
     </dgm:txFillClrLst>
     <dgm:txEffectClrLst/>
   </dgm:styleLbl>
   <dgm:styleLbl name="parChTrans1D1">
     <dgm:fillClrLst meth="repeat">
-      <a:schemeClr val="accent2"/>
+      <a:schemeClr val="dk2"/>
     </dgm:fillClrLst>
     <dgm:linClrLst meth="repeat">
-      <a:schemeClr val="accent2">
+      <a:schemeClr val="dk2">
         <a:shade val="60000"/>
       </a:schemeClr>
     </dgm:linClrLst>
@@ -4729,10 +4739,10 @@
   </dgm:styleLbl>
   <dgm:styleLbl name="parChTrans1D2">
     <dgm:fillClrLst meth="repeat">
-      <a:schemeClr val="accent2"/>
+      <a:schemeClr val="dk2"/>
     </dgm:fillClrLst>
     <dgm:linClrLst meth="repeat">
-      <a:schemeClr val="accent2">
+      <a:schemeClr val="dk2">
         <a:shade val="60000"/>
       </a:schemeClr>
     </dgm:linClrLst>
@@ -4745,10 +4755,10 @@
   </dgm:styleLbl>
   <dgm:styleLbl name="parChTrans1D3">
     <dgm:fillClrLst meth="repeat">
-      <a:schemeClr val="accent2"/>
+      <a:schemeClr val="dk2"/>
     </dgm:fillClrLst>
     <dgm:linClrLst meth="repeat">
-      <a:schemeClr val="accent2">
+      <a:schemeClr val="dk2">
         <a:shade val="80000"/>
       </a:schemeClr>
     </dgm:linClrLst>
@@ -4761,10 +4771,10 @@
   </dgm:styleLbl>
   <dgm:styleLbl name="parChTrans1D4">
     <dgm:fillClrLst meth="repeat">
-      <a:schemeClr val="accent2"/>
+      <a:schemeClr val="dk2"/>
     </dgm:fillClrLst>
     <dgm:linClrLst meth="repeat">
-      <a:schemeClr val="accent2">
+      <a:schemeClr val="dk2">
         <a:shade val="80000"/>
       </a:schemeClr>
     </dgm:linClrLst>
@@ -4777,12 +4787,12 @@
   </dgm:styleLbl>
   <dgm:styleLbl name="fgAcc1">
     <dgm:fillClrLst meth="repeat">
-      <a:schemeClr val="lt1">
+      <a:schemeClr val="lt2">
         <a:alpha val="90000"/>
       </a:schemeClr>
     </dgm:fillClrLst>
     <dgm:linClrLst meth="repeat">
-      <a:schemeClr val="accent2"/>
+      <a:schemeClr val="dk2"/>
     </dgm:linClrLst>
     <dgm:effectClrLst/>
     <dgm:txLinClrLst/>
@@ -4793,12 +4803,12 @@
   </dgm:styleLbl>
   <dgm:styleLbl name="conFgAcc1">
     <dgm:fillClrLst meth="repeat">
-      <a:schemeClr val="lt1">
+      <a:schemeClr val="lt2">
         <a:alpha val="90000"/>
       </a:schemeClr>
     </dgm:fillClrLst>
     <dgm:linClrLst meth="repeat">
-      <a:schemeClr val="accent2"/>
+      <a:schemeClr val="dk2"/>
     </dgm:linClrLst>
     <dgm:effectClrLst/>
     <dgm:txLinClrLst/>
@@ -4809,12 +4819,12 @@
   </dgm:styleLbl>
   <dgm:styleLbl name="alignAcc1">
     <dgm:fillClrLst meth="repeat">
-      <a:schemeClr val="lt1">
+      <a:schemeClr val="lt2">
         <a:alpha val="90000"/>
       </a:schemeClr>
     </dgm:fillClrLst>
     <dgm:linClrLst meth="repeat">
-      <a:schemeClr val="accent2"/>
+      <a:schemeClr val="dk2"/>
     </dgm:linClrLst>
     <dgm:effectClrLst/>
     <dgm:txLinClrLst/>
@@ -4825,12 +4835,12 @@
   </dgm:styleLbl>
   <dgm:styleLbl name="trAlignAcc1">
     <dgm:fillClrLst meth="repeat">
-      <a:schemeClr val="lt1">
+      <a:schemeClr val="lt2">
         <a:alpha val="40000"/>
       </a:schemeClr>
     </dgm:fillClrLst>
     <dgm:linClrLst meth="repeat">
-      <a:schemeClr val="accent2"/>
+      <a:schemeClr val="dk2"/>
     </dgm:linClrLst>
     <dgm:effectClrLst/>
     <dgm:txLinClrLst/>
@@ -4841,12 +4851,12 @@
   </dgm:styleLbl>
   <dgm:styleLbl name="bgAcc1">
     <dgm:fillClrLst meth="repeat">
-      <a:schemeClr val="lt1">
+      <a:schemeClr val="lt2">
         <a:alpha val="90000"/>
       </a:schemeClr>
     </dgm:fillClrLst>
     <dgm:linClrLst meth="repeat">
-      <a:schemeClr val="accent2"/>
+      <a:schemeClr val="dk2"/>
     </dgm:linClrLst>
     <dgm:effectClrLst/>
     <dgm:txLinClrLst/>
@@ -4857,10 +4867,10 @@
   </dgm:styleLbl>
   <dgm:styleLbl name="solidFgAcc1">
     <dgm:fillClrLst meth="repeat">
-      <a:schemeClr val="lt1"/>
+      <a:schemeClr val="lt2"/>
     </dgm:fillClrLst>
     <dgm:linClrLst meth="repeat">
-      <a:schemeClr val="accent2"/>
+      <a:schemeClr val="dk2"/>
     </dgm:linClrLst>
     <dgm:effectClrLst/>
     <dgm:txLinClrLst/>
@@ -4871,10 +4881,10 @@
   </dgm:styleLbl>
   <dgm:styleLbl name="solidAlignAcc1">
     <dgm:fillClrLst meth="repeat">
-      <a:schemeClr val="lt1"/>
+      <a:schemeClr val="lt2"/>
     </dgm:fillClrLst>
     <dgm:linClrLst meth="repeat">
-      <a:schemeClr val="accent2"/>
+      <a:schemeClr val="dk2"/>
     </dgm:linClrLst>
     <dgm:effectClrLst/>
     <dgm:txLinClrLst/>
@@ -4885,10 +4895,10 @@
   </dgm:styleLbl>
   <dgm:styleLbl name="solidBgAcc1">
     <dgm:fillClrLst meth="repeat">
-      <a:schemeClr val="lt1"/>
+      <a:schemeClr val="lt2"/>
     </dgm:fillClrLst>
     <dgm:linClrLst meth="repeat">
-      <a:schemeClr val="accent2"/>
+      <a:schemeClr val="dk2"/>
     </dgm:linClrLst>
     <dgm:effectClrLst/>
     <dgm:txLinClrLst/>
@@ -4899,13 +4909,13 @@
   </dgm:styleLbl>
   <dgm:styleLbl name="fgAccFollowNode1">
     <dgm:fillClrLst meth="repeat">
-      <a:schemeClr val="accent2">
+      <a:schemeClr val="dk2">
         <a:alpha val="90000"/>
         <a:tint val="40000"/>
       </a:schemeClr>
     </dgm:fillClrLst>
     <dgm:linClrLst meth="repeat">
-      <a:schemeClr val="accent2">
+      <a:schemeClr val="dk2">
         <a:alpha val="90000"/>
         <a:tint val="40000"/>
       </a:schemeClr>
@@ -4919,13 +4929,13 @@
   </dgm:styleLbl>
   <dgm:styleLbl name="alignAccFollowNode1">
     <dgm:fillClrLst meth="repeat">
-      <a:schemeClr val="accent2">
+      <a:schemeClr val="dk2">
         <a:alpha val="90000"/>
         <a:tint val="40000"/>
       </a:schemeClr>
     </dgm:fillClrLst>
     <dgm:linClrLst meth="repeat">
-      <a:schemeClr val="accent2">
+      <a:schemeClr val="dk2">
         <a:alpha val="90000"/>
         <a:tint val="40000"/>
       </a:schemeClr>
@@ -4939,13 +4949,13 @@
   </dgm:styleLbl>
   <dgm:styleLbl name="bgAccFollowNode1">
     <dgm:fillClrLst meth="repeat">
-      <a:schemeClr val="accent2">
+      <a:schemeClr val="dk2">
         <a:alpha val="90000"/>
         <a:tint val="40000"/>
       </a:schemeClr>
     </dgm:fillClrLst>
     <dgm:linClrLst meth="repeat">
-      <a:schemeClr val="accent2">
+      <a:schemeClr val="dk2">
         <a:alpha val="90000"/>
         <a:tint val="40000"/>
       </a:schemeClr>
@@ -4959,12 +4969,12 @@
   </dgm:styleLbl>
   <dgm:styleLbl name="fgAcc0">
     <dgm:fillClrLst meth="repeat">
-      <a:schemeClr val="lt1">
+      <a:schemeClr val="lt2">
         <a:alpha val="90000"/>
       </a:schemeClr>
     </dgm:fillClrLst>
     <dgm:linClrLst meth="repeat">
-      <a:schemeClr val="accent2"/>
+      <a:schemeClr val="dk2"/>
     </dgm:linClrLst>
     <dgm:effectClrLst/>
     <dgm:txLinClrLst/>
@@ -4975,12 +4985,12 @@
   </dgm:styleLbl>
   <dgm:styleLbl name="fgAcc2">
     <dgm:fillClrLst meth="repeat">
-      <a:schemeClr val="lt1">
+      <a:schemeClr val="lt2">
         <a:alpha val="90000"/>
       </a:schemeClr>
     </dgm:fillClrLst>
     <dgm:linClrLst meth="repeat">
-      <a:schemeClr val="accent2"/>
+      <a:schemeClr val="dk2"/>
     </dgm:linClrLst>
     <dgm:effectClrLst/>
     <dgm:txLinClrLst/>
@@ -4991,12 +5001,12 @@
   </dgm:styleLbl>
   <dgm:styleLbl name="fgAcc3">
     <dgm:fillClrLst meth="repeat">
-      <a:schemeClr val="lt1">
+      <a:schemeClr val="lt2">
         <a:alpha val="90000"/>
       </a:schemeClr>
     </dgm:fillClrLst>
     <dgm:linClrLst meth="repeat">
-      <a:schemeClr val="accent2"/>
+      <a:schemeClr val="dk2"/>
     </dgm:linClrLst>
     <dgm:effectClrLst/>
     <dgm:txLinClrLst/>
@@ -5007,12 +5017,12 @@
   </dgm:styleLbl>
   <dgm:styleLbl name="fgAcc4">
     <dgm:fillClrLst meth="repeat">
-      <a:schemeClr val="lt1">
+      <a:schemeClr val="lt2">
         <a:alpha val="90000"/>
       </a:schemeClr>
     </dgm:fillClrLst>
     <dgm:linClrLst meth="repeat">
-      <a:schemeClr val="accent2"/>
+      <a:schemeClr val="dk2"/>
     </dgm:linClrLst>
     <dgm:effectClrLst/>
     <dgm:txLinClrLst/>
@@ -5023,12 +5033,12 @@
   </dgm:styleLbl>
   <dgm:styleLbl name="bgShp">
     <dgm:fillClrLst meth="repeat">
-      <a:schemeClr val="accent2">
+      <a:schemeClr val="dk2">
         <a:tint val="40000"/>
       </a:schemeClr>
     </dgm:fillClrLst>
     <dgm:linClrLst meth="repeat">
-      <a:schemeClr val="accent2"/>
+      <a:schemeClr val="dk2"/>
     </dgm:linClrLst>
     <dgm:effectClrLst/>
     <dgm:txLinClrLst/>
@@ -5039,12 +5049,12 @@
   </dgm:styleLbl>
   <dgm:styleLbl name="dkBgShp">
     <dgm:fillClrLst meth="repeat">
-      <a:schemeClr val="accent2">
+      <a:schemeClr val="dk2">
         <a:shade val="80000"/>
       </a:schemeClr>
     </dgm:fillClrLst>
     <dgm:linClrLst meth="repeat">
-      <a:schemeClr val="accent2"/>
+      <a:schemeClr val="dk2"/>
     </dgm:linClrLst>
     <dgm:effectClrLst/>
     <dgm:txLinClrLst/>
@@ -5055,13 +5065,13 @@
   </dgm:styleLbl>
   <dgm:styleLbl name="trBgShp">
     <dgm:fillClrLst meth="repeat">
-      <a:schemeClr val="accent2">
+      <a:schemeClr val="dk2">
         <a:tint val="50000"/>
         <a:alpha val="40000"/>
       </a:schemeClr>
     </dgm:fillClrLst>
     <dgm:linClrLst meth="repeat">
-      <a:schemeClr val="accent2"/>
+      <a:schemeClr val="dk2"/>
     </dgm:linClrLst>
     <dgm:effectClrLst/>
     <dgm:txLinClrLst/>
@@ -5072,12 +5082,12 @@
   </dgm:styleLbl>
   <dgm:styleLbl name="fgShp">
     <dgm:fillClrLst meth="repeat">
-      <a:schemeClr val="accent2">
+      <a:schemeClr val="dk2">
         <a:tint val="60000"/>
       </a:schemeClr>
     </dgm:fillClrLst>
     <dgm:linClrLst meth="repeat">
-      <a:schemeClr val="lt1"/>
+      <a:schemeClr val="lt2"/>
     </dgm:linClrLst>
     <dgm:effectClrLst/>
     <dgm:txLinClrLst/>
@@ -5088,7 +5098,7 @@
   </dgm:styleLbl>
   <dgm:styleLbl name="revTx">
     <dgm:fillClrLst meth="repeat">
-      <a:schemeClr val="lt1">
+      <a:schemeClr val="lt2">
         <a:alpha val="0"/>
       </a:schemeClr>
     </dgm:fillClrLst>
@@ -5266,7 +5276,11 @@
     </dgm:pt>
     <dgm:pt modelId="{DC09C7D1-33FC-464D-BF88-15E82EA2E7D0}" type="pres">
       <dgm:prSet presAssocID="{B1ADA00A-BF8F-4EF8-A5CF-9DF4F662190D}" presName="background" presStyleLbl="node0" presStyleIdx="0" presStyleCnt="3"/>
-      <dgm:spPr/>
+      <dgm:spPr>
+        <a:solidFill>
+          <a:srgbClr val="94FFF7"/>
+        </a:solidFill>
+      </dgm:spPr>
     </dgm:pt>
     <dgm:pt modelId="{62979518-D6EB-4AEF-B4BC-A0A3A816AE5B}" type="pres">
       <dgm:prSet presAssocID="{B1ADA00A-BF8F-4EF8-A5CF-9DF4F662190D}" presName="text" presStyleLbl="fgAcc0" presStyleIdx="0" presStyleCnt="3">
@@ -5290,7 +5304,11 @@
     </dgm:pt>
     <dgm:pt modelId="{9A7CDA35-90C2-48ED-87FB-CBDC4924B643}" type="pres">
       <dgm:prSet presAssocID="{66632E93-699B-4C4D-80B3-3AE79AB4A9B1}" presName="background" presStyleLbl="node0" presStyleIdx="1" presStyleCnt="3"/>
-      <dgm:spPr/>
+      <dgm:spPr>
+        <a:solidFill>
+          <a:srgbClr val="94FFF7"/>
+        </a:solidFill>
+      </dgm:spPr>
     </dgm:pt>
     <dgm:pt modelId="{CB5F0D3E-473E-47B7-A909-7E90F55D2689}" type="pres">
       <dgm:prSet presAssocID="{66632E93-699B-4C4D-80B3-3AE79AB4A9B1}" presName="text" presStyleLbl="fgAcc0" presStyleIdx="1" presStyleCnt="3" custLinFactNeighborX="466">
@@ -5314,7 +5332,11 @@
     </dgm:pt>
     <dgm:pt modelId="{0FC6F13F-CFB6-4703-BEAE-22245ACBCA30}" type="pres">
       <dgm:prSet presAssocID="{0215D8D3-5E37-4E98-B643-22E1816C68A6}" presName="background" presStyleLbl="node0" presStyleIdx="2" presStyleCnt="3"/>
-      <dgm:spPr/>
+      <dgm:spPr>
+        <a:solidFill>
+          <a:srgbClr val="94FFF7"/>
+        </a:solidFill>
+      </dgm:spPr>
     </dgm:pt>
     <dgm:pt modelId="{3B9BD8C6-1F6A-482C-91D4-EFC2E2E0D6EA}" type="pres">
       <dgm:prSet presAssocID="{0215D8D3-5E37-4E98-B643-22E1816C68A6}" presName="text" presStyleLbl="fgAcc0" presStyleIdx="2" presStyleCnt="3">
@@ -5367,7 +5389,7 @@
 <dgm:dataModel xmlns:dgm="http://schemas.openxmlformats.org/drawingml/2006/diagram" xmlns:a="http://schemas.openxmlformats.org/drawingml/2006/main">
   <dgm:ptLst>
     <dgm:pt modelId="{998E3153-AA0E-4834-962D-05AE121C7BF1}" type="doc">
-      <dgm:prSet loTypeId="urn:microsoft.com/office/officeart/2018/2/layout/IconVerticalSolidList" loCatId="icon" qsTypeId="urn:microsoft.com/office/officeart/2005/8/quickstyle/simple1" qsCatId="simple" csTypeId="urn:microsoft.com/office/officeart/2005/8/colors/accent2_2" csCatId="accent2" phldr="1"/>
+      <dgm:prSet loTypeId="urn:microsoft.com/office/officeart/2018/2/layout/IconVerticalSolidList" loCatId="icon" qsTypeId="urn:microsoft.com/office/officeart/2005/8/quickstyle/simple1" qsCatId="simple" csTypeId="urn:microsoft.com/office/officeart/2005/8/colors/accent0_3" csCatId="mainScheme" phldr="1"/>
       <dgm:spPr/>
       <dgm:t>
         <a:bodyPr/>
@@ -5384,6 +5406,11 @@
         <a:bodyPr/>
         <a:lstStyle/>
         <a:p>
+          <a:pPr>
+            <a:lnSpc>
+              <a:spcPct val="100000"/>
+            </a:lnSpc>
+          </a:pPr>
           <a:r>
             <a:rPr lang="de-DE" b="1" dirty="0"/>
             <a:t>Python Kurs absolvieren</a:t>
@@ -5421,6 +5448,11 @@
         <a:bodyPr/>
         <a:lstStyle/>
         <a:p>
+          <a:pPr>
+            <a:lnSpc>
+              <a:spcPct val="100000"/>
+            </a:lnSpc>
+          </a:pPr>
           <a:r>
             <a:rPr lang="de-DE" b="1" dirty="0"/>
             <a:t>Bessere Kommunikation untereinander (</a:t>
@@ -5466,6 +5498,11 @@
         <a:bodyPr/>
         <a:lstStyle/>
         <a:p>
+          <a:pPr>
+            <a:lnSpc>
+              <a:spcPct val="100000"/>
+            </a:lnSpc>
+          </a:pPr>
           <a:r>
             <a:rPr lang="de-DE" b="1" dirty="0"/>
             <a:t>Strukturierteres arbeiten</a:t>
@@ -5510,7 +5547,7 @@
       <dgm:spPr/>
     </dgm:pt>
     <dgm:pt modelId="{F08DB380-FF31-4415-A379-F5C831EFBE7E}" type="pres">
-      <dgm:prSet presAssocID="{8E4DB3B6-EB5D-4158-ABA1-B8F08D7DBF5B}" presName="bgRect" presStyleLbl="bgShp" presStyleIdx="0" presStyleCnt="3" custLinFactNeighborX="222" custLinFactNeighborY="-1789"/>
+      <dgm:prSet presAssocID="{8E4DB3B6-EB5D-4158-ABA1-B8F08D7DBF5B}" presName="bgRect" presStyleLbl="bgShp" presStyleIdx="0" presStyleCnt="3" custLinFactNeighborY="-1789"/>
       <dgm:spPr/>
     </dgm:pt>
     <dgm:pt modelId="{6743584F-69B9-4F54-82C6-4CE6C332EA45}" type="pres">
@@ -5532,15 +5569,7 @@
             <a:fillRect/>
           </a:stretch>
         </a:blipFill>
-        <a:ln>
-          <a:noFill/>
-        </a:ln>
       </dgm:spPr>
-      <dgm:extLst>
-        <a:ext uri="{E40237B7-FDA0-4F09-8148-C483321AD2D9}">
-          <dgm14:cNvPr xmlns:dgm14="http://schemas.microsoft.com/office/drawing/2010/diagram" id="0" name="" descr="Schlange mit einfarbiger Füllung"/>
-        </a:ext>
-      </dgm:extLst>
     </dgm:pt>
     <dgm:pt modelId="{F3F18990-39B1-4233-A202-B5BB0B85C639}" type="pres">
       <dgm:prSet presAssocID="{8E4DB3B6-EB5D-4158-ABA1-B8F08D7DBF5B}" presName="spaceRect" presStyleCnt="0"/>
@@ -5585,9 +5614,6 @@
             <a:fillRect/>
           </a:stretch>
         </a:blipFill>
-        <a:ln>
-          <a:noFill/>
-        </a:ln>
       </dgm:spPr>
       <dgm:extLst>
         <a:ext uri="{E40237B7-FDA0-4F09-8148-C483321AD2D9}">
@@ -5638,9 +5664,6 @@
             <a:fillRect/>
           </a:stretch>
         </a:blipFill>
-        <a:ln>
-          <a:noFill/>
-        </a:ln>
       </dgm:spPr>
       <dgm:extLst>
         <a:ext uri="{E40237B7-FDA0-4F09-8148-C483321AD2D9}">
@@ -5722,12 +5745,7 @@
           </a:avLst>
         </a:prstGeom>
         <a:solidFill>
-          <a:schemeClr val="accent2">
-            <a:hueOff val="0"/>
-            <a:satOff val="0"/>
-            <a:lumOff val="0"/>
-            <a:alphaOff val="0"/>
-          </a:schemeClr>
+          <a:srgbClr val="94FFF7"/>
         </a:solidFill>
         <a:ln w="25400" cap="flat" cmpd="sng" algn="ctr">
           <a:solidFill>
@@ -5852,12 +5870,7 @@
           </a:avLst>
         </a:prstGeom>
         <a:solidFill>
-          <a:schemeClr val="accent2">
-            <a:hueOff val="0"/>
-            <a:satOff val="0"/>
-            <a:lumOff val="0"/>
-            <a:alphaOff val="0"/>
-          </a:schemeClr>
+          <a:srgbClr val="94FFF7"/>
         </a:solidFill>
         <a:ln w="25400" cap="flat" cmpd="sng" algn="ctr">
           <a:solidFill>
@@ -5982,12 +5995,7 @@
           </a:avLst>
         </a:prstGeom>
         <a:solidFill>
-          <a:schemeClr val="accent2">
-            <a:hueOff val="0"/>
-            <a:satOff val="0"/>
-            <a:lumOff val="0"/>
-            <a:alphaOff val="0"/>
-          </a:schemeClr>
+          <a:srgbClr val="94FFF7"/>
         </a:solidFill>
         <a:ln w="25400" cap="flat" cmpd="sng" algn="ctr">
           <a:solidFill>
@@ -6136,7 +6144,7 @@
           </a:avLst>
         </a:prstGeom>
         <a:solidFill>
-          <a:schemeClr val="accent2">
+          <a:schemeClr val="dk2">
             <a:tint val="40000"/>
             <a:hueOff val="0"/>
             <a:satOff val="0"/>
@@ -6192,7 +6200,14 @@
           </a:stretch>
         </a:blipFill>
         <a:ln w="15875" cap="flat" cmpd="sng" algn="ctr">
-          <a:noFill/>
+          <a:solidFill>
+            <a:schemeClr val="lt2">
+              <a:hueOff val="0"/>
+              <a:satOff val="0"/>
+              <a:lumOff val="0"/>
+              <a:alphaOff val="0"/>
+            </a:schemeClr>
+          </a:solidFill>
           <a:prstDash val="solid"/>
         </a:ln>
         <a:effectLst/>
@@ -6251,7 +6266,7 @@
         <a:p>
           <a:pPr marL="0" lvl="0" indent="0" algn="l" defTabSz="1111250">
             <a:lnSpc>
-              <a:spcPct val="90000"/>
+              <a:spcPct val="100000"/>
             </a:lnSpc>
             <a:spcBef>
               <a:spcPct val="0"/>
@@ -6289,7 +6304,7 @@
           </a:avLst>
         </a:prstGeom>
         <a:solidFill>
-          <a:schemeClr val="accent2">
+          <a:schemeClr val="dk2">
             <a:tint val="40000"/>
             <a:hueOff val="0"/>
             <a:satOff val="0"/>
@@ -6344,7 +6359,14 @@
           </a:stretch>
         </a:blipFill>
         <a:ln w="15875" cap="flat" cmpd="sng" algn="ctr">
-          <a:noFill/>
+          <a:solidFill>
+            <a:schemeClr val="lt2">
+              <a:hueOff val="0"/>
+              <a:satOff val="0"/>
+              <a:lumOff val="0"/>
+              <a:alphaOff val="0"/>
+            </a:schemeClr>
+          </a:solidFill>
           <a:prstDash val="solid"/>
         </a:ln>
         <a:effectLst/>
@@ -6403,7 +6425,7 @@
         <a:p>
           <a:pPr marL="0" lvl="0" indent="0" algn="l" defTabSz="1111250">
             <a:lnSpc>
-              <a:spcPct val="90000"/>
+              <a:spcPct val="100000"/>
             </a:lnSpc>
             <a:spcBef>
               <a:spcPct val="0"/>
@@ -6449,7 +6471,7 @@
           </a:avLst>
         </a:prstGeom>
         <a:solidFill>
-          <a:schemeClr val="accent2">
+          <a:schemeClr val="dk2">
             <a:tint val="40000"/>
             <a:hueOff val="0"/>
             <a:satOff val="0"/>
@@ -6504,7 +6526,14 @@
           </a:stretch>
         </a:blipFill>
         <a:ln w="15875" cap="flat" cmpd="sng" algn="ctr">
-          <a:noFill/>
+          <a:solidFill>
+            <a:schemeClr val="lt2">
+              <a:hueOff val="0"/>
+              <a:satOff val="0"/>
+              <a:lumOff val="0"/>
+              <a:alphaOff val="0"/>
+            </a:schemeClr>
+          </a:solidFill>
           <a:prstDash val="solid"/>
         </a:ln>
         <a:effectLst/>
@@ -6563,7 +6592,7 @@
         <a:p>
           <a:pPr marL="0" lvl="0" indent="0" algn="l" defTabSz="1111250">
             <a:lnSpc>
-              <a:spcPct val="90000"/>
+              <a:spcPct val="100000"/>
             </a:lnSpc>
             <a:spcBef>
               <a:spcPct val="0"/>
@@ -9596,7 +9625,7 @@
           <a:p>
             <a:fld id="{703E22D0-69DB-4AD2-BFDB-B6B0697DB30B}" type="datetimeFigureOut">
               <a:rPr lang="de-DE" smtClean="0"/>
-              <a:t>20.03.2024</a:t>
+              <a:t>22.03.2024</a:t>
             </a:fld>
             <a:endParaRPr lang="de-DE" dirty="0"/>
           </a:p>
@@ -9761,7 +9790,7 @@
           <a:p>
             <a:fld id="{92D0A2B6-884F-47F1-97D4-56FF4241B1BC}" type="datetimeFigureOut">
               <a:rPr lang="de-DE" smtClean="0"/>
-              <a:t>20.03.2024</a:t>
+              <a:t>22.03.2024</a:t>
             </a:fld>
             <a:endParaRPr lang="de-DE" dirty="0"/>
           </a:p>
@@ -10563,7 +10592,7 @@
             <a:pPr rtl="0"/>
             <a:fld id="{6A53FAFE-A8FF-49BF-8B95-C1A5C14FF84D}" type="datetime1">
               <a:rPr lang="de-DE" noProof="0" smtClean="0"/>
-              <a:t>20.03.2024</a:t>
+              <a:t>22.03.2024</a:t>
             </a:fld>
             <a:endParaRPr lang="de-DE" noProof="0" dirty="0"/>
           </a:p>
@@ -10755,7 +10784,7 @@
             <a:pPr rtl="0"/>
             <a:fld id="{A5DA952A-262B-4C09-82C5-587247F1B81B}" type="datetime1">
               <a:rPr lang="de-DE" noProof="0" smtClean="0"/>
-              <a:t>20.03.2024</a:t>
+              <a:t>22.03.2024</a:t>
             </a:fld>
             <a:endParaRPr lang="de-DE" noProof="0" dirty="0"/>
           </a:p>
@@ -11132,7 +11161,7 @@
             <a:pPr rtl="0"/>
             <a:fld id="{CF005D64-4B99-448C-A713-09FA5439052A}" type="datetime1">
               <a:rPr lang="de-DE" noProof="0" smtClean="0"/>
-              <a:t>20.03.2024</a:t>
+              <a:t>22.03.2024</a:t>
             </a:fld>
             <a:endParaRPr lang="de-DE" noProof="0" dirty="0"/>
           </a:p>
@@ -11391,7 +11420,7 @@
             <a:pPr rtl="0"/>
             <a:fld id="{6229FE05-7231-43BE-B847-3AFA4A19CBAA}" type="datetime1">
               <a:rPr lang="de-DE" noProof="0" smtClean="0"/>
-              <a:t>20.03.2024</a:t>
+              <a:t>22.03.2024</a:t>
             </a:fld>
             <a:endParaRPr lang="de-DE" noProof="0" dirty="0"/>
           </a:p>
@@ -11792,7 +11821,7 @@
             <a:pPr rtl="0"/>
             <a:fld id="{5B53D26F-6680-425F-97AB-0E8697BD65E2}" type="datetime1">
               <a:rPr lang="de-DE" noProof="0" smtClean="0"/>
-              <a:t>20.03.2024</a:t>
+              <a:t>22.03.2024</a:t>
             </a:fld>
             <a:endParaRPr lang="de-DE" noProof="0" dirty="0"/>
           </a:p>
@@ -11932,7 +11961,7 @@
             <a:pPr rtl="0"/>
             <a:fld id="{5DA3ECD2-F655-4F1D-98E0-52599BF52BCA}" type="datetime1">
               <a:rPr lang="de-DE" noProof="0" smtClean="0"/>
-              <a:t>20.03.2024</a:t>
+              <a:t>22.03.2024</a:t>
             </a:fld>
             <a:endParaRPr lang="de-DE" noProof="0" dirty="0"/>
           </a:p>
@@ -12092,7 +12121,7 @@
             <a:pPr rtl="0"/>
             <a:fld id="{B48DB74F-2903-429A-9E94-EB396A414E9D}" type="datetime1">
               <a:rPr lang="de-DE" noProof="0" smtClean="0"/>
-              <a:t>20.03.2024</a:t>
+              <a:t>22.03.2024</a:t>
             </a:fld>
             <a:endParaRPr lang="de-DE" noProof="0" dirty="0"/>
           </a:p>
@@ -12425,7 +12454,7 @@
             <a:pPr rtl="0"/>
             <a:fld id="{CFA574F0-4503-424B-A28D-924B84ECEA2A}" type="datetime1">
               <a:rPr lang="de-DE" noProof="0" smtClean="0"/>
-              <a:t>20.03.2024</a:t>
+              <a:t>22.03.2024</a:t>
             </a:fld>
             <a:endParaRPr lang="de-DE" noProof="0" dirty="0"/>
           </a:p>
@@ -12780,7 +12809,7 @@
             <a:pPr rtl="0"/>
             <a:fld id="{93B6CE1F-19FD-43AD-A3FC-53284371392B}" type="datetime1">
               <a:rPr lang="de-DE" noProof="0" smtClean="0"/>
-              <a:t>20.03.2024</a:t>
+              <a:t>22.03.2024</a:t>
             </a:fld>
             <a:endParaRPr lang="de-DE" noProof="0" dirty="0"/>
           </a:p>
@@ -13042,7 +13071,7 @@
             <a:pPr rtl="0"/>
             <a:fld id="{5F6FD458-B8F2-4748-BB72-410F5C7102C5}" type="datetime1">
               <a:rPr lang="de-DE" noProof="0" smtClean="0"/>
-              <a:t>20.03.2024</a:t>
+              <a:t>22.03.2024</a:t>
             </a:fld>
             <a:endParaRPr lang="de-DE" noProof="0" dirty="0"/>
           </a:p>
@@ -14153,6 +14182,9 @@
           <a:lstStyle/>
           <a:p>
             <a:pPr>
+              <a:buClr>
+                <a:srgbClr val="94FFF7"/>
+              </a:buClr>
               <a:buFont typeface="Arial" panose="020B0604020202020204" pitchFamily="34" charset="0"/>
               <a:buChar char="•"/>
             </a:pPr>
@@ -14176,6 +14208,9 @@
           </a:p>
           <a:p>
             <a:pPr>
+              <a:buClr>
+                <a:srgbClr val="94FFF7"/>
+              </a:buClr>
               <a:buFont typeface="Arial" panose="020B0604020202020204" pitchFamily="34" charset="0"/>
               <a:buChar char="•"/>
             </a:pPr>
@@ -14194,6 +14229,9 @@
           </a:p>
           <a:p>
             <a:pPr>
+              <a:buClr>
+                <a:srgbClr val="94FFF7"/>
+              </a:buClr>
               <a:buFont typeface="Arial" panose="020B0604020202020204" pitchFamily="34" charset="0"/>
               <a:buChar char="•"/>
             </a:pPr>
@@ -14217,6 +14255,9 @@
           </a:p>
           <a:p>
             <a:pPr>
+              <a:buClr>
+                <a:srgbClr val="94FFF7"/>
+              </a:buClr>
               <a:buFont typeface="Arial" panose="020B0604020202020204" pitchFamily="34" charset="0"/>
               <a:buChar char="•"/>
             </a:pPr>
@@ -14232,6 +14273,9 @@
           </a:p>
           <a:p>
             <a:pPr>
+              <a:buClr>
+                <a:srgbClr val="94FFF7"/>
+              </a:buClr>
               <a:buFont typeface="Arial" panose="020B0604020202020204" pitchFamily="34" charset="0"/>
               <a:buChar char="•"/>
             </a:pPr>
@@ -14242,6 +14286,9 @@
           </a:p>
           <a:p>
             <a:pPr>
+              <a:buClr>
+                <a:srgbClr val="94FFF7"/>
+              </a:buClr>
               <a:buFont typeface="Arial" panose="020B0604020202020204" pitchFamily="34" charset="0"/>
               <a:buChar char="•"/>
             </a:pPr>
@@ -14997,9 +15044,16 @@
             <p:ph type="title"/>
           </p:nvPr>
         </p:nvSpPr>
-        <p:spPr/>
+        <p:spPr>
+          <a:xfrm>
+            <a:off x="643466" y="786384"/>
+            <a:ext cx="3517567" cy="731332"/>
+          </a:xfrm>
+        </p:spPr>
         <p:txBody>
-          <a:bodyPr/>
+          <a:bodyPr anchor="b">
+            <a:normAutofit/>
+          </a:bodyPr>
           <a:lstStyle/>
           <a:p>
             <a:r>
@@ -15010,6 +15064,37 @@
           </a:p>
         </p:txBody>
       </p:sp>
+      <p:pic>
+        <p:nvPicPr>
+          <p:cNvPr id="5" name="Grafik 4" descr="Ein Bild, das Pixel, Grafiken, Design enthält.&#10;&#10;Automatisch generierte Beschreibung">
+            <a:extLst>
+              <a:ext uri="{FF2B5EF4-FFF2-40B4-BE49-F238E27FC236}">
+                <a16:creationId xmlns:a16="http://schemas.microsoft.com/office/drawing/2014/main" id="{8FB94E58-3659-3583-3CA4-B437BFDD7540}"/>
+              </a:ext>
+            </a:extLst>
+          </p:cNvPr>
+          <p:cNvPicPr>
+            <a:picLocks noChangeAspect="1"/>
+          </p:cNvPicPr>
+          <p:nvPr/>
+        </p:nvPicPr>
+        <p:blipFill>
+          <a:blip r:embed="rId2"/>
+          <a:stretch>
+            <a:fillRect/>
+          </a:stretch>
+        </p:blipFill>
+        <p:spPr>
+          <a:xfrm>
+            <a:off x="5410485" y="327004"/>
+            <a:ext cx="6203991" cy="6203991"/>
+          </a:xfrm>
+          <a:prstGeom prst="rect">
+            <a:avLst/>
+          </a:prstGeom>
+          <a:noFill/>
+        </p:spPr>
+      </p:pic>
       <p:sp>
         <p:nvSpPr>
           <p:cNvPr id="3" name="Inhaltsplatzhalter 2">
@@ -15023,111 +15108,133 @@
             <a:spLocks noGrp="1"/>
           </p:cNvSpPr>
           <p:nvPr>
-            <p:ph idx="1"/>
+            <p:ph type="body" sz="half" idx="2"/>
           </p:nvPr>
         </p:nvSpPr>
-        <p:spPr/>
+        <p:spPr>
+          <a:xfrm>
+            <a:off x="643465" y="1786380"/>
+            <a:ext cx="3862547" cy="4321176"/>
+          </a:xfrm>
+        </p:spPr>
         <p:txBody>
-          <a:bodyPr/>
+          <a:bodyPr>
+            <a:normAutofit fontScale="92500" lnSpcReduction="10000"/>
+          </a:bodyPr>
           <a:lstStyle/>
           <a:p>
             <a:pPr>
+              <a:lnSpc>
+                <a:spcPct val="150000"/>
+              </a:lnSpc>
               <a:buFont typeface="Arial" panose="020B0604020202020204" pitchFamily="34" charset="0"/>
               <a:buChar char="•"/>
             </a:pPr>
             <a:r>
-              <a:rPr lang="en-US" dirty="0"/>
+              <a:rPr lang="en-US" sz="2800" dirty="0"/>
               <a:t> </a:t>
             </a:r>
             <a:r>
-              <a:rPr lang="en-US" dirty="0" err="1"/>
+              <a:rPr lang="en-US" sz="2800" dirty="0" err="1"/>
               <a:t>Sollstand</a:t>
             </a:r>
             <a:r>
-              <a:rPr lang="en-US" dirty="0"/>
+              <a:rPr lang="en-US" sz="2800" dirty="0"/>
               <a:t> / </a:t>
             </a:r>
             <a:r>
-              <a:rPr lang="en-US" dirty="0" err="1"/>
+              <a:rPr lang="en-US" sz="2800" dirty="0" err="1"/>
               <a:t>Iststand</a:t>
             </a:r>
-            <a:endParaRPr lang="en-US" dirty="0"/>
+            <a:endParaRPr lang="en-US" sz="2800" dirty="0"/>
           </a:p>
           <a:p>
             <a:pPr>
+              <a:lnSpc>
+                <a:spcPct val="150000"/>
+              </a:lnSpc>
               <a:buFont typeface="Arial" panose="020B0604020202020204" pitchFamily="34" charset="0"/>
               <a:buChar char="•"/>
             </a:pPr>
             <a:r>
-              <a:rPr lang="en-US" dirty="0"/>
+              <a:rPr lang="en-US" sz="2800" dirty="0"/>
               <a:t> </a:t>
             </a:r>
             <a:r>
-              <a:rPr lang="en-US" dirty="0" err="1"/>
+              <a:rPr lang="en-US" sz="2800" dirty="0" err="1"/>
               <a:t>Gründe</a:t>
             </a:r>
             <a:r>
-              <a:rPr lang="en-US" dirty="0"/>
+              <a:rPr lang="en-US" sz="2800" dirty="0"/>
               <a:t> für </a:t>
             </a:r>
             <a:r>
-              <a:rPr lang="en-US" dirty="0" err="1"/>
+              <a:rPr lang="en-US" sz="2800" dirty="0" err="1"/>
               <a:t>Rückstand</a:t>
             </a:r>
-            <a:endParaRPr lang="en-US" dirty="0"/>
+            <a:endParaRPr lang="en-US" sz="2800" dirty="0"/>
           </a:p>
           <a:p>
             <a:pPr>
+              <a:lnSpc>
+                <a:spcPct val="150000"/>
+              </a:lnSpc>
               <a:buFont typeface="Arial" panose="020B0604020202020204" pitchFamily="34" charset="0"/>
               <a:buChar char="•"/>
             </a:pPr>
             <a:r>
-              <a:rPr lang="en-US" dirty="0"/>
+              <a:rPr lang="en-US" sz="2800" dirty="0"/>
               <a:t> </a:t>
             </a:r>
             <a:r>
-              <a:rPr lang="en-US" dirty="0" err="1"/>
+              <a:rPr lang="en-US" sz="2800" dirty="0" err="1"/>
               <a:t>Entsprechende</a:t>
             </a:r>
             <a:r>
-              <a:rPr lang="en-US" dirty="0"/>
-              <a:t> </a:t>
+              <a:rPr lang="en-US" sz="2800" dirty="0"/>
+              <a:t> 	</a:t>
             </a:r>
             <a:r>
-              <a:rPr lang="en-US" dirty="0" err="1"/>
+              <a:rPr lang="en-US" sz="2800" dirty="0" err="1"/>
               <a:t>Maßnahmen</a:t>
             </a:r>
-            <a:endParaRPr lang="en-US" dirty="0"/>
+            <a:endParaRPr lang="en-US" sz="2800" dirty="0"/>
           </a:p>
           <a:p>
             <a:pPr>
+              <a:lnSpc>
+                <a:spcPct val="150000"/>
+              </a:lnSpc>
               <a:buFont typeface="Arial" panose="020B0604020202020204" pitchFamily="34" charset="0"/>
               <a:buChar char="•"/>
             </a:pPr>
             <a:r>
-              <a:rPr lang="en-US" dirty="0"/>
+              <a:rPr lang="en-US" sz="2800" dirty="0"/>
               <a:t> </a:t>
             </a:r>
             <a:r>
-              <a:rPr lang="en-US" dirty="0" err="1"/>
+              <a:rPr lang="en-US" sz="2800" dirty="0" err="1"/>
               <a:t>Projektdemonstration</a:t>
             </a:r>
-            <a:endParaRPr lang="en-US" dirty="0"/>
+            <a:endParaRPr lang="en-US" sz="2800" dirty="0"/>
           </a:p>
           <a:p>
             <a:pPr>
+              <a:lnSpc>
+                <a:spcPct val="150000"/>
+              </a:lnSpc>
               <a:buFont typeface="Arial" panose="020B0604020202020204" pitchFamily="34" charset="0"/>
               <a:buChar char="•"/>
             </a:pPr>
             <a:r>
-              <a:rPr lang="en-US" dirty="0"/>
+              <a:rPr lang="en-US" sz="2800" dirty="0"/>
               <a:t> </a:t>
             </a:r>
             <a:r>
-              <a:rPr lang="en-US" dirty="0" err="1"/>
+              <a:rPr lang="en-US" sz="2800" dirty="0" err="1"/>
               <a:t>Zukunftsaussichten</a:t>
             </a:r>
-            <a:endParaRPr lang="en-US" dirty="0"/>
+            <a:endParaRPr lang="en-US" sz="2800" dirty="0"/>
           </a:p>
           <a:p>
             <a:pPr>
@@ -15953,7 +16060,7 @@
             <p:ph idx="1"/>
             <p:extLst>
               <p:ext uri="{D42A27DB-BD31-4B8C-83A1-F6EECF244321}">
-                <p14:modId xmlns:p14="http://schemas.microsoft.com/office/powerpoint/2010/main" val="312802242"/>
+                <p14:modId xmlns:p14="http://schemas.microsoft.com/office/powerpoint/2010/main" val="4080787722"/>
               </p:ext>
             </p:extLst>
           </p:nvPr>
@@ -16061,7 +16168,7 @@
             <p:ph idx="1"/>
             <p:extLst>
               <p:ext uri="{D42A27DB-BD31-4B8C-83A1-F6EECF244321}">
-                <p14:modId xmlns:p14="http://schemas.microsoft.com/office/powerpoint/2010/main" val="1905096057"/>
+                <p14:modId xmlns:p14="http://schemas.microsoft.com/office/powerpoint/2010/main" val="4135839317"/>
               </p:ext>
             </p:extLst>
           </p:nvPr>
@@ -16184,13 +16291,13 @@
   <p:clrMapOvr>
     <a:masterClrMapping/>
   </p:clrMapOvr>
-  <mc:AlternateContent xmlns:mc="http://schemas.openxmlformats.org/markup-compatibility/2006">
-    <mc:Choice xmlns:p159="http://schemas.microsoft.com/office/powerpoint/2015/09/main" Requires="p159">
+  <mc:AlternateContent xmlns:mc="http://schemas.openxmlformats.org/markup-compatibility/2006" xmlns:p159="http://schemas.microsoft.com/office/powerpoint/2015/09/main">
+    <mc:Choice Requires="p159">
       <p:transition xmlns:p14="http://schemas.microsoft.com/office/powerpoint/2010/main" spd="slow" p14:dur="2000">
         <p159:morph option="byObject"/>
       </p:transition>
     </mc:Choice>
-    <mc:Fallback>
+    <mc:Fallback xmlns="">
       <p:transition spd="slow">
         <p:fade/>
       </p:transition>
@@ -17091,12 +17198,12 @@
 </file>
 
 <file path=customXml/item1.xml><?xml version="1.0" encoding="utf-8"?>
-<?mso-contentType ?>
-<FormTemplates xmlns="http://schemas.microsoft.com/sharepoint/v3/contenttype/forms">
-  <Display>DocumentLibraryForm</Display>
-  <Edit>DocumentLibraryForm</Edit>
-  <New>DocumentLibraryForm</New>
-</FormTemplates>
+<p:properties xmlns:p="http://schemas.microsoft.com/office/2006/metadata/properties" xmlns:xsi="http://www.w3.org/2001/XMLSchema-instance" xmlns:pc="http://schemas.microsoft.com/office/infopath/2007/PartnerControls">
+  <documentManagement>
+    <Status xmlns="71af3243-3dd4-4a8d-8c0d-dd76da1f02a5">Not started</Status>
+    <MediaServiceKeyPoints xmlns="71af3243-3dd4-4a8d-8c0d-dd76da1f02a5" xsi:nil="true"/>
+  </documentManagement>
+</p:properties>
 </file>
 
 <file path=customXml/item2.xml><?xml version="1.0" encoding="utf-8"?>
@@ -17321,18 +17428,20 @@
 </file>
 
 <file path=customXml/item3.xml><?xml version="1.0" encoding="utf-8"?>
-<p:properties xmlns:p="http://schemas.microsoft.com/office/2006/metadata/properties" xmlns:xsi="http://www.w3.org/2001/XMLSchema-instance" xmlns:pc="http://schemas.microsoft.com/office/infopath/2007/PartnerControls">
-  <documentManagement>
-    <Status xmlns="71af3243-3dd4-4a8d-8c0d-dd76da1f02a5">Not started</Status>
-    <MediaServiceKeyPoints xmlns="71af3243-3dd4-4a8d-8c0d-dd76da1f02a5" xsi:nil="true"/>
-  </documentManagement>
-</p:properties>
+<?mso-contentType ?>
+<FormTemplates xmlns="http://schemas.microsoft.com/sharepoint/v3/contenttype/forms">
+  <Display>DocumentLibraryForm</Display>
+  <Edit>DocumentLibraryForm</Edit>
+  <New>DocumentLibraryForm</New>
+</FormTemplates>
 </file>
 
 <file path=customXml/itemProps1.xml><?xml version="1.0" encoding="utf-8"?>
-<ds:datastoreItem xmlns:ds="http://schemas.openxmlformats.org/officeDocument/2006/customXml" ds:itemID="{AA3F7EDC-E5B4-4BBC-9D2A-CBE6D46C37AD}">
+<ds:datastoreItem xmlns:ds="http://schemas.openxmlformats.org/officeDocument/2006/customXml" ds:itemID="{A03EEFF0-FB57-4CB4-8BFC-DF397689E2ED}">
   <ds:schemaRefs>
-    <ds:schemaRef ds:uri="http://schemas.microsoft.com/sharepoint/v3/contenttype/forms"/>
+    <ds:schemaRef ds:uri="http://schemas.microsoft.com/office/2006/metadata/properties"/>
+    <ds:schemaRef ds:uri="http://schemas.microsoft.com/office/infopath/2007/PartnerControls"/>
+    <ds:schemaRef ds:uri="71af3243-3dd4-4a8d-8c0d-dd76da1f02a5"/>
   </ds:schemaRefs>
 </ds:datastoreItem>
 </file>
@@ -17357,11 +17466,9 @@
 </file>
 
 <file path=customXml/itemProps3.xml><?xml version="1.0" encoding="utf-8"?>
-<ds:datastoreItem xmlns:ds="http://schemas.openxmlformats.org/officeDocument/2006/customXml" ds:itemID="{A03EEFF0-FB57-4CB4-8BFC-DF397689E2ED}">
+<ds:datastoreItem xmlns:ds="http://schemas.openxmlformats.org/officeDocument/2006/customXml" ds:itemID="{AA3F7EDC-E5B4-4BBC-9D2A-CBE6D46C37AD}">
   <ds:schemaRefs>
-    <ds:schemaRef ds:uri="http://schemas.microsoft.com/office/2006/metadata/properties"/>
-    <ds:schemaRef ds:uri="http://schemas.microsoft.com/office/infopath/2007/PartnerControls"/>
-    <ds:schemaRef ds:uri="71af3243-3dd4-4a8d-8c0d-dd76da1f02a5"/>
+    <ds:schemaRef ds:uri="http://schemas.microsoft.com/sharepoint/v3/contenttype/forms"/>
   </ds:schemaRefs>
 </ds:datastoreItem>
 </file>